--- a/Documentation/Weekly Report/week6/CMSC-4920-Group2-Week6.pptx
+++ b/Documentation/Weekly Report/week6/CMSC-4920-Group2-Week6.pptx
@@ -148,7 +148,7 @@
   <pc:docChgLst>
     <pc:chgData name="Margo Bonal" userId="18c9fa0f-b53d-478b-9dc0-6ad88786c19f" providerId="ADAL" clId="{93D479E5-F67F-4B8A-A78F-A0B574A116B6}"/>
     <pc:docChg chg="undo custSel addSld modSld">
-      <pc:chgData name="Margo Bonal" userId="18c9fa0f-b53d-478b-9dc0-6ad88786c19f" providerId="ADAL" clId="{93D479E5-F67F-4B8A-A78F-A0B574A116B6}" dt="2026-02-14T07:05:33.902" v="965" actId="20577"/>
+      <pc:chgData name="Margo Bonal" userId="18c9fa0f-b53d-478b-9dc0-6ad88786c19f" providerId="ADAL" clId="{93D479E5-F67F-4B8A-A78F-A0B574A116B6}" dt="2026-02-20T16:43:26.197" v="1006" actId="20577"/>
       <pc:docMkLst>
         <pc:docMk/>
       </pc:docMkLst>
@@ -380,13 +380,36 @@
         </pc:cxnChg>
       </pc:sldChg>
       <pc:sldChg chg="modSp mod">
-        <pc:chgData name="Margo Bonal" userId="18c9fa0f-b53d-478b-9dc0-6ad88786c19f" providerId="ADAL" clId="{93D479E5-F67F-4B8A-A78F-A0B574A116B6}" dt="2026-02-14T07:04:11.014" v="852" actId="20577"/>
+        <pc:chgData name="Margo Bonal" userId="18c9fa0f-b53d-478b-9dc0-6ad88786c19f" providerId="ADAL" clId="{93D479E5-F67F-4B8A-A78F-A0B574A116B6}" dt="2026-02-20T16:43:26.197" v="1006" actId="20577"/>
+        <pc:sldMkLst>
+          <pc:docMk/>
+          <pc:sldMk cId="2561402868" sldId="264"/>
+        </pc:sldMkLst>
+        <pc:spChg chg="mod">
+          <ac:chgData name="Margo Bonal" userId="18c9fa0f-b53d-478b-9dc0-6ad88786c19f" providerId="ADAL" clId="{93D479E5-F67F-4B8A-A78F-A0B574A116B6}" dt="2026-02-20T16:43:18.756" v="1003" actId="20577"/>
+          <ac:spMkLst>
+            <pc:docMk/>
+            <pc:sldMk cId="2561402868" sldId="264"/>
+            <ac:spMk id="9" creationId="{D6D36DC8-D9BF-8C26-69EA-ED89E34DB644}"/>
+          </ac:spMkLst>
+        </pc:spChg>
+        <pc:graphicFrameChg chg="modGraphic">
+          <ac:chgData name="Margo Bonal" userId="18c9fa0f-b53d-478b-9dc0-6ad88786c19f" providerId="ADAL" clId="{93D479E5-F67F-4B8A-A78F-A0B574A116B6}" dt="2026-02-20T16:43:26.197" v="1006" actId="20577"/>
+          <ac:graphicFrameMkLst>
+            <pc:docMk/>
+            <pc:sldMk cId="2561402868" sldId="264"/>
+            <ac:graphicFrameMk id="27" creationId="{D6B93F0B-FEB0-EDAB-CFE1-A57DEFE97FCD}"/>
+          </ac:graphicFrameMkLst>
+        </pc:graphicFrameChg>
+      </pc:sldChg>
+      <pc:sldChg chg="modSp mod">
+        <pc:chgData name="Margo Bonal" userId="18c9fa0f-b53d-478b-9dc0-6ad88786c19f" providerId="ADAL" clId="{93D479E5-F67F-4B8A-A78F-A0B574A116B6}" dt="2026-02-20T15:50:51.219" v="996" actId="5793"/>
         <pc:sldMkLst>
           <pc:docMk/>
           <pc:sldMk cId="2428741132" sldId="265"/>
         </pc:sldMkLst>
         <pc:spChg chg="mod">
-          <ac:chgData name="Margo Bonal" userId="18c9fa0f-b53d-478b-9dc0-6ad88786c19f" providerId="ADAL" clId="{93D479E5-F67F-4B8A-A78F-A0B574A116B6}" dt="2026-02-14T07:04:11.014" v="852" actId="20577"/>
+          <ac:chgData name="Margo Bonal" userId="18c9fa0f-b53d-478b-9dc0-6ad88786c19f" providerId="ADAL" clId="{93D479E5-F67F-4B8A-A78F-A0B574A116B6}" dt="2026-02-20T15:50:51.219" v="996" actId="5793"/>
           <ac:spMkLst>
             <pc:docMk/>
             <pc:sldMk cId="2428741132" sldId="265"/>
@@ -395,13 +418,13 @@
         </pc:spChg>
       </pc:sldChg>
       <pc:sldChg chg="modSp mod">
-        <pc:chgData name="Margo Bonal" userId="18c9fa0f-b53d-478b-9dc0-6ad88786c19f" providerId="ADAL" clId="{93D479E5-F67F-4B8A-A78F-A0B574A116B6}" dt="2026-02-14T07:05:33.902" v="965" actId="20577"/>
+        <pc:chgData name="Margo Bonal" userId="18c9fa0f-b53d-478b-9dc0-6ad88786c19f" providerId="ADAL" clId="{93D479E5-F67F-4B8A-A78F-A0B574A116B6}" dt="2026-02-20T15:51:55.089" v="1001" actId="20577"/>
         <pc:sldMkLst>
           <pc:docMk/>
           <pc:sldMk cId="3526335932" sldId="266"/>
         </pc:sldMkLst>
         <pc:spChg chg="mod">
-          <ac:chgData name="Margo Bonal" userId="18c9fa0f-b53d-478b-9dc0-6ad88786c19f" providerId="ADAL" clId="{93D479E5-F67F-4B8A-A78F-A0B574A116B6}" dt="2026-02-14T07:05:33.902" v="965" actId="20577"/>
+          <ac:chgData name="Margo Bonal" userId="18c9fa0f-b53d-478b-9dc0-6ad88786c19f" providerId="ADAL" clId="{93D479E5-F67F-4B8A-A78F-A0B574A116B6}" dt="2026-02-20T15:51:50.790" v="1000" actId="20577"/>
           <ac:spMkLst>
             <pc:docMk/>
             <pc:sldMk cId="3526335932" sldId="266"/>
@@ -409,11 +432,27 @@
           </ac:spMkLst>
         </pc:spChg>
         <pc:spChg chg="mod">
-          <ac:chgData name="Margo Bonal" userId="18c9fa0f-b53d-478b-9dc0-6ad88786c19f" providerId="ADAL" clId="{93D479E5-F67F-4B8A-A78F-A0B574A116B6}" dt="2026-02-14T07:05:06.406" v="961" actId="20577"/>
+          <ac:chgData name="Margo Bonal" userId="18c9fa0f-b53d-478b-9dc0-6ad88786c19f" providerId="ADAL" clId="{93D479E5-F67F-4B8A-A78F-A0B574A116B6}" dt="2026-02-20T15:51:55.089" v="1001" actId="20577"/>
           <ac:spMkLst>
             <pc:docMk/>
             <pc:sldMk cId="3526335932" sldId="266"/>
             <ac:spMk id="5" creationId="{E40DC201-0466-5D58-2422-48A1842C6A76}"/>
+          </ac:spMkLst>
+        </pc:spChg>
+        <pc:spChg chg="mod">
+          <ac:chgData name="Margo Bonal" userId="18c9fa0f-b53d-478b-9dc0-6ad88786c19f" providerId="ADAL" clId="{93D479E5-F67F-4B8A-A78F-A0B574A116B6}" dt="2026-02-20T15:51:28.008" v="998" actId="1076"/>
+          <ac:spMkLst>
+            <pc:docMk/>
+            <pc:sldMk cId="3526335932" sldId="266"/>
+            <ac:spMk id="8" creationId="{24AA2B82-D640-63C8-0949-8D61BA43585E}"/>
+          </ac:spMkLst>
+        </pc:spChg>
+        <pc:spChg chg="mod">
+          <ac:chgData name="Margo Bonal" userId="18c9fa0f-b53d-478b-9dc0-6ad88786c19f" providerId="ADAL" clId="{93D479E5-F67F-4B8A-A78F-A0B574A116B6}" dt="2026-02-20T15:51:41.661" v="999" actId="1076"/>
+          <ac:spMkLst>
+            <pc:docMk/>
+            <pc:sldMk cId="3526335932" sldId="266"/>
+            <ac:spMk id="11" creationId="{D6DB2568-1D7A-1154-06D4-C4FEF3D291A5}"/>
           </ac:spMkLst>
         </pc:spChg>
       </pc:sldChg>
@@ -2396,7 +2435,7 @@
 <dgm:dataModel xmlns:dgm="http://schemas.openxmlformats.org/drawingml/2006/diagram" xmlns:a="http://schemas.openxmlformats.org/drawingml/2006/main">
   <dgm:ptLst>
     <dgm:pt modelId="{875220B3-5F43-41BF-82F0-F1D5090E78B1}" type="doc">
-      <dgm:prSet loTypeId="urn:microsoft.com/office/officeart/2005/8/layout/hierarchy1" loCatId="hierarchy" qsTypeId="urn:microsoft.com/office/officeart/2005/8/quickstyle/simple1" qsCatId="simple" csTypeId="urn:microsoft.com/office/officeart/2005/8/colors/colorful3" csCatId="colorful"/>
+      <dgm:prSet loTypeId="urn:microsoft.com/office/officeart/2005/8/layout/hierarchy1" loCatId="hierarchy" qsTypeId="urn:microsoft.com/office/officeart/2005/8/quickstyle/simple1" qsCatId="simple" csTypeId="urn:microsoft.com/office/officeart/2005/8/colors/colorful3" csCatId="colorful" phldr="1"/>
       <dgm:spPr/>
       <dgm:t>
         <a:bodyPr/>
@@ -2413,10 +2452,7 @@
         <a:bodyPr/>
         <a:lstStyle/>
         <a:p>
-          <a:r>
-            <a:rPr lang="en-US"/>
-            <a:t>Begin Team Page</a:t>
-          </a:r>
+          <a:endParaRPr lang="en-US" dirty="0"/>
         </a:p>
       </dgm:t>
     </dgm:pt>
@@ -2449,10 +2485,7 @@
         <a:bodyPr/>
         <a:lstStyle/>
         <a:p>
-          <a:r>
-            <a:rPr lang="en-US"/>
-            <a:t>Implement Password requirements</a:t>
-          </a:r>
+          <a:endParaRPr lang="en-US" dirty="0"/>
         </a:p>
       </dgm:t>
     </dgm:pt>
@@ -2485,10 +2518,7 @@
         <a:bodyPr/>
         <a:lstStyle/>
         <a:p>
-          <a:r>
-            <a:rPr lang="en-US"/>
-            <a:t>Challenges Page</a:t>
-          </a:r>
+          <a:endParaRPr lang="en-US" dirty="0"/>
         </a:p>
       </dgm:t>
     </dgm:pt>
@@ -3066,12 +3096,12 @@
         <a:fontRef idx="minor"/>
       </dsp:style>
       <dsp:txBody>
-        <a:bodyPr spcFirstLastPara="0" vert="horz" wrap="square" lIns="133350" tIns="133350" rIns="133350" bIns="133350" numCol="1" spcCol="1270" anchor="ctr" anchorCtr="0">
+        <a:bodyPr spcFirstLastPara="0" vert="horz" wrap="square" lIns="247650" tIns="247650" rIns="247650" bIns="247650" numCol="1" spcCol="1270" anchor="ctr" anchorCtr="0">
           <a:noAutofit/>
         </a:bodyPr>
         <a:lstStyle/>
         <a:p>
-          <a:pPr marL="0" lvl="0" indent="0" algn="ctr" defTabSz="1555750">
+          <a:pPr marL="0" lvl="0" indent="0" algn="ctr" defTabSz="2889250">
             <a:lnSpc>
               <a:spcPct val="90000"/>
             </a:lnSpc>
@@ -3083,10 +3113,7 @@
             </a:spcAft>
             <a:buNone/>
           </a:pPr>
-          <a:r>
-            <a:rPr lang="en-US" sz="3500" kern="1200"/>
-            <a:t>Begin Team Page</a:t>
-          </a:r>
+          <a:endParaRPr lang="en-US" sz="6500" kern="1200" dirty="0"/>
         </a:p>
       </dsp:txBody>
       <dsp:txXfrm>
@@ -3197,12 +3224,12 @@
         <a:fontRef idx="minor"/>
       </dsp:style>
       <dsp:txBody>
-        <a:bodyPr spcFirstLastPara="0" vert="horz" wrap="square" lIns="133350" tIns="133350" rIns="133350" bIns="133350" numCol="1" spcCol="1270" anchor="ctr" anchorCtr="0">
+        <a:bodyPr spcFirstLastPara="0" vert="horz" wrap="square" lIns="247650" tIns="247650" rIns="247650" bIns="247650" numCol="1" spcCol="1270" anchor="ctr" anchorCtr="0">
           <a:noAutofit/>
         </a:bodyPr>
         <a:lstStyle/>
         <a:p>
-          <a:pPr marL="0" lvl="0" indent="0" algn="ctr" defTabSz="1555750">
+          <a:pPr marL="0" lvl="0" indent="0" algn="ctr" defTabSz="2889250">
             <a:lnSpc>
               <a:spcPct val="90000"/>
             </a:lnSpc>
@@ -3214,10 +3241,7 @@
             </a:spcAft>
             <a:buNone/>
           </a:pPr>
-          <a:r>
-            <a:rPr lang="en-US" sz="3500" kern="1200"/>
-            <a:t>Implement Password requirements</a:t>
-          </a:r>
+          <a:endParaRPr lang="en-US" sz="6500" kern="1200" dirty="0"/>
         </a:p>
       </dsp:txBody>
       <dsp:txXfrm>
@@ -3328,12 +3352,12 @@
         <a:fontRef idx="minor"/>
       </dsp:style>
       <dsp:txBody>
-        <a:bodyPr spcFirstLastPara="0" vert="horz" wrap="square" lIns="133350" tIns="133350" rIns="133350" bIns="133350" numCol="1" spcCol="1270" anchor="ctr" anchorCtr="0">
+        <a:bodyPr spcFirstLastPara="0" vert="horz" wrap="square" lIns="247650" tIns="247650" rIns="247650" bIns="247650" numCol="1" spcCol="1270" anchor="ctr" anchorCtr="0">
           <a:noAutofit/>
         </a:bodyPr>
         <a:lstStyle/>
         <a:p>
-          <a:pPr marL="0" lvl="0" indent="0" algn="ctr" defTabSz="1555750">
+          <a:pPr marL="0" lvl="0" indent="0" algn="ctr" defTabSz="2889250">
             <a:lnSpc>
               <a:spcPct val="90000"/>
             </a:lnSpc>
@@ -3345,10 +3369,7 @@
             </a:spcAft>
             <a:buNone/>
           </a:pPr>
-          <a:r>
-            <a:rPr lang="en-US" sz="3500" kern="1200"/>
-            <a:t>Challenges Page</a:t>
-          </a:r>
+          <a:endParaRPr lang="en-US" sz="6500" kern="1200" dirty="0"/>
         </a:p>
       </dsp:txBody>
       <dsp:txXfrm>
@@ -6353,7 +6374,7 @@
           <a:p>
             <a:fld id="{C882E6FB-EB88-4936-BED9-9E37159958CA}" type="datetimeFigureOut">
               <a:rPr lang="en-US" smtClean="0"/>
-              <a:t>2/17/2026</a:t>
+              <a:t>2/20/2026</a:t>
             </a:fld>
             <a:endParaRPr lang="en-US"/>
           </a:p>
@@ -6551,7 +6572,7 @@
           <a:p>
             <a:fld id="{C882E6FB-EB88-4936-BED9-9E37159958CA}" type="datetimeFigureOut">
               <a:rPr lang="en-US" smtClean="0"/>
-              <a:t>2/17/2026</a:t>
+              <a:t>2/20/2026</a:t>
             </a:fld>
             <a:endParaRPr lang="en-US"/>
           </a:p>
@@ -6759,7 +6780,7 @@
           <a:p>
             <a:fld id="{C882E6FB-EB88-4936-BED9-9E37159958CA}" type="datetimeFigureOut">
               <a:rPr lang="en-US" smtClean="0"/>
-              <a:t>2/17/2026</a:t>
+              <a:t>2/20/2026</a:t>
             </a:fld>
             <a:endParaRPr lang="en-US"/>
           </a:p>
@@ -6957,7 +6978,7 @@
           <a:p>
             <a:fld id="{C882E6FB-EB88-4936-BED9-9E37159958CA}" type="datetimeFigureOut">
               <a:rPr lang="en-US" smtClean="0"/>
-              <a:t>2/17/2026</a:t>
+              <a:t>2/20/2026</a:t>
             </a:fld>
             <a:endParaRPr lang="en-US"/>
           </a:p>
@@ -7232,7 +7253,7 @@
           <a:p>
             <a:fld id="{C882E6FB-EB88-4936-BED9-9E37159958CA}" type="datetimeFigureOut">
               <a:rPr lang="en-US" smtClean="0"/>
-              <a:t>2/17/2026</a:t>
+              <a:t>2/20/2026</a:t>
             </a:fld>
             <a:endParaRPr lang="en-US"/>
           </a:p>
@@ -7497,7 +7518,7 @@
           <a:p>
             <a:fld id="{C882E6FB-EB88-4936-BED9-9E37159958CA}" type="datetimeFigureOut">
               <a:rPr lang="en-US" smtClean="0"/>
-              <a:t>2/17/2026</a:t>
+              <a:t>2/20/2026</a:t>
             </a:fld>
             <a:endParaRPr lang="en-US"/>
           </a:p>
@@ -7909,7 +7930,7 @@
           <a:p>
             <a:fld id="{C882E6FB-EB88-4936-BED9-9E37159958CA}" type="datetimeFigureOut">
               <a:rPr lang="en-US" smtClean="0"/>
-              <a:t>2/17/2026</a:t>
+              <a:t>2/20/2026</a:t>
             </a:fld>
             <a:endParaRPr lang="en-US"/>
           </a:p>
@@ -8050,7 +8071,7 @@
           <a:p>
             <a:fld id="{C882E6FB-EB88-4936-BED9-9E37159958CA}" type="datetimeFigureOut">
               <a:rPr lang="en-US" smtClean="0"/>
-              <a:t>2/17/2026</a:t>
+              <a:t>2/20/2026</a:t>
             </a:fld>
             <a:endParaRPr lang="en-US"/>
           </a:p>
@@ -8163,7 +8184,7 @@
           <a:p>
             <a:fld id="{C882E6FB-EB88-4936-BED9-9E37159958CA}" type="datetimeFigureOut">
               <a:rPr lang="en-US" smtClean="0"/>
-              <a:t>2/17/2026</a:t>
+              <a:t>2/20/2026</a:t>
             </a:fld>
             <a:endParaRPr lang="en-US"/>
           </a:p>
@@ -8474,7 +8495,7 @@
           <a:p>
             <a:fld id="{C882E6FB-EB88-4936-BED9-9E37159958CA}" type="datetimeFigureOut">
               <a:rPr lang="en-US" smtClean="0"/>
-              <a:t>2/17/2026</a:t>
+              <a:t>2/20/2026</a:t>
             </a:fld>
             <a:endParaRPr lang="en-US"/>
           </a:p>
@@ -8762,7 +8783,7 @@
           <a:p>
             <a:fld id="{C882E6FB-EB88-4936-BED9-9E37159958CA}" type="datetimeFigureOut">
               <a:rPr lang="en-US" smtClean="0"/>
-              <a:t>2/17/2026</a:t>
+              <a:t>2/20/2026</a:t>
             </a:fld>
             <a:endParaRPr lang="en-US"/>
           </a:p>
@@ -9003,7 +9024,7 @@
           <a:p>
             <a:fld id="{C882E6FB-EB88-4936-BED9-9E37159958CA}" type="datetimeFigureOut">
               <a:rPr lang="en-US" smtClean="0"/>
-              <a:t>2/17/2026</a:t>
+              <a:t>2/20/2026</a:t>
             </a:fld>
             <a:endParaRPr lang="en-US"/>
           </a:p>
@@ -9647,7 +9668,7 @@
           <a:p>
             <a:pPr algn="l"/>
             <a:r>
-              <a:rPr lang="en-US" sz="11500"/>
+              <a:rPr lang="en-US" sz="11500" dirty="0"/>
               <a:t>Vulcan Activity Tracker</a:t>
             </a:r>
           </a:p>
@@ -10743,6 +10764,20 @@
             </a:r>
           </a:p>
           <a:p>
+            <a:pPr marL="342900" indent="-342900">
+              <a:buFont typeface="Arial" panose="020B0604020202020204" pitchFamily="34" charset="0"/>
+              <a:buChar char="•"/>
+            </a:pPr>
+            <a:r>
+              <a:rPr lang="en-US" dirty="0">
+                <a:solidFill>
+                  <a:schemeClr val="tx1"/>
+                </a:solidFill>
+              </a:rPr>
+              <a:t>Complete Friends feature </a:t>
+            </a:r>
+          </a:p>
+          <a:p>
             <a:endParaRPr lang="en-US" dirty="0"/>
           </a:p>
         </p:txBody>
@@ -11068,61 +11103,6 @@
               <a:buFont typeface="+mj-lt"/>
               <a:buAutoNum type="arabicPeriod"/>
             </a:pPr>
-            <a:r>
-              <a:rPr lang="en-US" sz="2000" dirty="0">
-                <a:solidFill>
-                  <a:schemeClr val="tx1"/>
-                </a:solidFill>
-              </a:rPr>
-              <a:t>Once the leaderboard began extracting sport-specific data correctly, the table rankings would not accurately reflect the data</a:t>
-            </a:r>
-          </a:p>
-          <a:p>
-            <a:pPr marL="342900" indent="-342900">
-              <a:buFont typeface="+mj-lt"/>
-              <a:buAutoNum type="arabicPeriod"/>
-            </a:pPr>
-            <a:r>
-              <a:rPr lang="en-US" sz="2000" dirty="0">
-                <a:solidFill>
-                  <a:schemeClr val="tx1"/>
-                </a:solidFill>
-              </a:rPr>
-              <a:t>Friend Modal formatting </a:t>
-            </a:r>
-            <a:endParaRPr lang="en-US" sz="1900" dirty="0">
-              <a:solidFill>
-                <a:schemeClr val="tx1"/>
-              </a:solidFill>
-            </a:endParaRPr>
-          </a:p>
-          <a:p>
-            <a:pPr marL="342900" indent="-342900">
-              <a:buFont typeface="+mj-lt"/>
-              <a:buAutoNum type="arabicPeriod"/>
-            </a:pPr>
-            <a:r>
-              <a:rPr lang="en-US" sz="1900" dirty="0">
-                <a:solidFill>
-                  <a:schemeClr val="tx1"/>
-                </a:solidFill>
-              </a:rPr>
-              <a:t>Public data only for friend view</a:t>
-            </a:r>
-          </a:p>
-          <a:p>
-            <a:pPr marL="342900" indent="-342900">
-              <a:buFont typeface="+mj-lt"/>
-              <a:buAutoNum type="arabicPeriod"/>
-            </a:pPr>
-            <a:r>
-              <a:rPr lang="en-US" sz="1900" dirty="0">
-                <a:solidFill>
-                  <a:schemeClr val="tx1"/>
-                </a:solidFill>
-              </a:rPr>
-              <a:t>Dynamic route handling</a:t>
-            </a:r>
             <a:endParaRPr lang="en-US" sz="2000" dirty="0">
               <a:solidFill>
                 <a:schemeClr val="tx1"/>
@@ -11345,61 +11325,6 @@
               <a:buFont typeface="+mj-lt"/>
               <a:buAutoNum type="arabicPeriod"/>
             </a:pPr>
-            <a:r>
-              <a:rPr lang="en-US" sz="2000" dirty="0">
-                <a:solidFill>
-                  <a:schemeClr val="tx1"/>
-                </a:solidFill>
-              </a:rPr>
-              <a:t>Rankings were based on only initial build of the leaderboard table. No matter what, rankings based on values at render time. Function to continuously render based on filter implemented.</a:t>
-            </a:r>
-          </a:p>
-          <a:p>
-            <a:pPr marL="342900" indent="-342900">
-              <a:buFont typeface="+mj-lt"/>
-              <a:buAutoNum type="arabicPeriod"/>
-            </a:pPr>
-            <a:r>
-              <a:rPr lang="en-US" sz="2000" dirty="0">
-                <a:solidFill>
-                  <a:schemeClr val="tx1"/>
-                </a:solidFill>
-              </a:rPr>
-              <a:t>Add field IDs to display on modal</a:t>
-            </a:r>
-          </a:p>
-          <a:p>
-            <a:pPr marL="342900" indent="-342900">
-              <a:buFont typeface="+mj-lt"/>
-              <a:buAutoNum type="arabicPeriod"/>
-            </a:pPr>
-            <a:r>
-              <a:rPr lang="en-US" sz="2000" dirty="0">
-                <a:solidFill>
-                  <a:schemeClr val="tx1"/>
-                </a:solidFill>
-              </a:rPr>
-              <a:t>New function to filter public on server side</a:t>
-            </a:r>
-            <a:endParaRPr lang="en-US" sz="1900" dirty="0">
-              <a:solidFill>
-                <a:schemeClr val="tx1"/>
-              </a:solidFill>
-            </a:endParaRPr>
-          </a:p>
-          <a:p>
-            <a:pPr marL="342900" indent="-342900">
-              <a:buFont typeface="+mj-lt"/>
-              <a:buAutoNum type="arabicPeriod"/>
-            </a:pPr>
-            <a:r>
-              <a:rPr lang="en-US" sz="1900" dirty="0">
-                <a:solidFill>
-                  <a:schemeClr val="tx1"/>
-                </a:solidFill>
-              </a:rPr>
-              <a:t>Had to create a new route handler that can take parameters</a:t>
-            </a:r>
             <a:endParaRPr lang="en-US" sz="2000" dirty="0">
               <a:solidFill>
                 <a:schemeClr val="tx1"/>
@@ -11426,7 +11351,7 @@
         </p:nvSpPr>
         <p:spPr>
           <a:xfrm>
-            <a:off x="741822" y="691243"/>
+            <a:off x="1335273" y="936048"/>
             <a:ext cx="3829235" cy="1067356"/>
           </a:xfrm>
         </p:spPr>
@@ -11467,7 +11392,7 @@
         </p:nvSpPr>
         <p:spPr>
           <a:xfrm>
-            <a:off x="7406636" y="691243"/>
+            <a:off x="6746378" y="936048"/>
             <a:ext cx="3829235" cy="1067356"/>
           </a:xfrm>
           <a:prstGeom prst="rect">
@@ -12209,7 +12134,7 @@
           <a:p>
             <a:r>
               <a:rPr lang="en-US" dirty="0"/>
-              <a:t>Week 6 Plan</a:t>
+              <a:t>Week 7 Plan</a:t>
             </a:r>
           </a:p>
         </p:txBody>
@@ -12227,7 +12152,7 @@
           <p:nvPr>
             <p:extLst>
               <p:ext uri="{D42A27DB-BD31-4B8C-83A1-F6EECF244321}">
-                <p14:modId xmlns:p14="http://schemas.microsoft.com/office/powerpoint/2010/main" val="3451115219"/>
+                <p14:modId xmlns:p14="http://schemas.microsoft.com/office/powerpoint/2010/main" val="3627196459"/>
               </p:ext>
             </p:extLst>
           </p:nvPr>

--- a/Documentation/Weekly Report/week6/CMSC-4920-Group2-Week6.pptx
+++ b/Documentation/Weekly Report/week6/CMSC-4920-Group2-Week6.pptx
@@ -10,9 +10,13 @@
     <p:sldId id="265" r:id="rId4"/>
     <p:sldId id="266" r:id="rId5"/>
     <p:sldId id="258" r:id="rId6"/>
-    <p:sldId id="264" r:id="rId7"/>
-    <p:sldId id="259" r:id="rId8"/>
-    <p:sldId id="260" r:id="rId9"/>
+    <p:sldId id="267" r:id="rId7"/>
+    <p:sldId id="268" r:id="rId8"/>
+    <p:sldId id="269" r:id="rId9"/>
+    <p:sldId id="270" r:id="rId10"/>
+    <p:sldId id="264" r:id="rId11"/>
+    <p:sldId id="259" r:id="rId12"/>
+    <p:sldId id="260" r:id="rId13"/>
   </p:sldIdLst>
   <p:sldSz cx="12192000" cy="6858000"/>
   <p:notesSz cx="6858000" cy="9144000"/>
@@ -119,6 +123,14 @@
 </p:presentation>
 </file>
 
+<file path=ppt/revisionInfo.xml><?xml version="1.0" encoding="utf-8"?>
+<p1510:revInfo xmlns:a="http://schemas.openxmlformats.org/drawingml/2006/main" xmlns:r="http://schemas.openxmlformats.org/officeDocument/2006/relationships" xmlns:p1510="http://schemas.microsoft.com/office/powerpoint/2015/10/main">
+  <p1510:revLst>
+    <p1510:client id="{46B216D2-F8DA-4105-B564-CD4DC1BB17F8}" v="3" dt="2026-02-21T22:02:04.293"/>
+  </p1510:revLst>
+</p1510:revInfo>
+</file>
+
 <file path=ppt/changesInfos/changesInfo1.xml><?xml version="1.0" encoding="utf-8"?>
 <pc:chgInfo xmlns:a="http://schemas.openxmlformats.org/drawingml/2006/main" xmlns:r="http://schemas.openxmlformats.org/officeDocument/2006/relationships" xmlns:ac="http://schemas.microsoft.com/office/drawing/2013/main/command" xmlns:pc="http://schemas.microsoft.com/office/powerpoint/2013/main/command">
   <pc:docChgLst>
@@ -148,7 +160,7 @@
   <pc:docChgLst>
     <pc:chgData name="Margo Bonal" userId="18c9fa0f-b53d-478b-9dc0-6ad88786c19f" providerId="ADAL" clId="{93D479E5-F67F-4B8A-A78F-A0B574A116B6}"/>
     <pc:docChg chg="undo custSel addSld modSld">
-      <pc:chgData name="Margo Bonal" userId="18c9fa0f-b53d-478b-9dc0-6ad88786c19f" providerId="ADAL" clId="{93D479E5-F67F-4B8A-A78F-A0B574A116B6}" dt="2026-02-20T16:43:26.197" v="1006" actId="20577"/>
+      <pc:chgData name="Margo Bonal" userId="18c9fa0f-b53d-478b-9dc0-6ad88786c19f" providerId="ADAL" clId="{93D479E5-F67F-4B8A-A78F-A0B574A116B6}" dt="2026-02-21T22:02:52.738" v="1754" actId="21"/>
       <pc:docMkLst>
         <pc:docMk/>
       </pc:docMkLst>
@@ -255,7 +267,7 @@
         </pc:cxnChg>
       </pc:sldChg>
       <pc:sldChg chg="addSp delSp modSp new mod setBg">
-        <pc:chgData name="Margo Bonal" userId="18c9fa0f-b53d-478b-9dc0-6ad88786c19f" providerId="ADAL" clId="{93D479E5-F67F-4B8A-A78F-A0B574A116B6}" dt="2026-01-23T14:31:47.782" v="798" actId="20577"/>
+        <pc:chgData name="Margo Bonal" userId="18c9fa0f-b53d-478b-9dc0-6ad88786c19f" providerId="ADAL" clId="{93D479E5-F67F-4B8A-A78F-A0B574A116B6}" dt="2026-02-21T21:31:11.749" v="1042" actId="1076"/>
         <pc:sldMkLst>
           <pc:docMk/>
           <pc:sldMk cId="2065992260" sldId="258"/>
@@ -274,6 +286,14 @@
             <pc:docMk/>
             <pc:sldMk cId="2065992260" sldId="258"/>
             <ac:spMk id="14" creationId="{871AEA07-1E14-44B4-8E55-64EF049CD66F}"/>
+          </ac:spMkLst>
+        </pc:spChg>
+        <pc:spChg chg="mod">
+          <ac:chgData name="Margo Bonal" userId="18c9fa0f-b53d-478b-9dc0-6ad88786c19f" providerId="ADAL" clId="{93D479E5-F67F-4B8A-A78F-A0B574A116B6}" dt="2026-02-21T21:31:11.749" v="1042" actId="1076"/>
+          <ac:spMkLst>
+            <pc:docMk/>
+            <pc:sldMk cId="2065992260" sldId="258"/>
+            <ac:spMk id="16" creationId="{1BFE9597-EE45-D183-9C43-FB508195BFBC}"/>
           </ac:spMkLst>
         </pc:spChg>
         <pc:grpChg chg="add">
@@ -403,13 +423,13 @@
         </pc:graphicFrameChg>
       </pc:sldChg>
       <pc:sldChg chg="modSp mod">
-        <pc:chgData name="Margo Bonal" userId="18c9fa0f-b53d-478b-9dc0-6ad88786c19f" providerId="ADAL" clId="{93D479E5-F67F-4B8A-A78F-A0B574A116B6}" dt="2026-02-20T15:50:51.219" v="996" actId="5793"/>
+        <pc:chgData name="Margo Bonal" userId="18c9fa0f-b53d-478b-9dc0-6ad88786c19f" providerId="ADAL" clId="{93D479E5-F67F-4B8A-A78F-A0B574A116B6}" dt="2026-02-21T21:42:54.604" v="1468" actId="20577"/>
         <pc:sldMkLst>
           <pc:docMk/>
           <pc:sldMk cId="2428741132" sldId="265"/>
         </pc:sldMkLst>
         <pc:spChg chg="mod">
-          <ac:chgData name="Margo Bonal" userId="18c9fa0f-b53d-478b-9dc0-6ad88786c19f" providerId="ADAL" clId="{93D479E5-F67F-4B8A-A78F-A0B574A116B6}" dt="2026-02-20T15:50:51.219" v="996" actId="5793"/>
+          <ac:chgData name="Margo Bonal" userId="18c9fa0f-b53d-478b-9dc0-6ad88786c19f" providerId="ADAL" clId="{93D479E5-F67F-4B8A-A78F-A0B574A116B6}" dt="2026-02-21T21:42:54.604" v="1468" actId="20577"/>
           <ac:spMkLst>
             <pc:docMk/>
             <pc:sldMk cId="2428741132" sldId="265"/>
@@ -417,14 +437,22 @@
           </ac:spMkLst>
         </pc:spChg>
       </pc:sldChg>
-      <pc:sldChg chg="modSp mod">
-        <pc:chgData name="Margo Bonal" userId="18c9fa0f-b53d-478b-9dc0-6ad88786c19f" providerId="ADAL" clId="{93D479E5-F67F-4B8A-A78F-A0B574A116B6}" dt="2026-02-20T15:51:55.089" v="1001" actId="20577"/>
+      <pc:sldChg chg="addSp modSp mod">
+        <pc:chgData name="Margo Bonal" userId="18c9fa0f-b53d-478b-9dc0-6ad88786c19f" providerId="ADAL" clId="{93D479E5-F67F-4B8A-A78F-A0B574A116B6}" dt="2026-02-21T21:46:58.650" v="1616" actId="20577"/>
         <pc:sldMkLst>
           <pc:docMk/>
           <pc:sldMk cId="3526335932" sldId="266"/>
         </pc:sldMkLst>
+        <pc:spChg chg="add mod">
+          <ac:chgData name="Margo Bonal" userId="18c9fa0f-b53d-478b-9dc0-6ad88786c19f" providerId="ADAL" clId="{93D479E5-F67F-4B8A-A78F-A0B574A116B6}" dt="2026-02-21T21:46:58.650" v="1616" actId="20577"/>
+          <ac:spMkLst>
+            <pc:docMk/>
+            <pc:sldMk cId="3526335932" sldId="266"/>
+            <ac:spMk id="2" creationId="{FB4EC798-8386-CB36-1C33-949CA6568550}"/>
+          </ac:spMkLst>
+        </pc:spChg>
         <pc:spChg chg="mod">
-          <ac:chgData name="Margo Bonal" userId="18c9fa0f-b53d-478b-9dc0-6ad88786c19f" providerId="ADAL" clId="{93D479E5-F67F-4B8A-A78F-A0B574A116B6}" dt="2026-02-20T15:51:50.790" v="1000" actId="20577"/>
+          <ac:chgData name="Margo Bonal" userId="18c9fa0f-b53d-478b-9dc0-6ad88786c19f" providerId="ADAL" clId="{93D479E5-F67F-4B8A-A78F-A0B574A116B6}" dt="2026-02-21T21:43:23.815" v="1529" actId="20577"/>
           <ac:spMkLst>
             <pc:docMk/>
             <pc:sldMk cId="3526335932" sldId="266"/>
@@ -455,6 +483,306 @@
             <ac:spMk id="11" creationId="{D6DB2568-1D7A-1154-06D4-C4FEF3D291A5}"/>
           </ac:spMkLst>
         </pc:spChg>
+      </pc:sldChg>
+      <pc:sldChg chg="addSp delSp modSp new mod setBg">
+        <pc:chgData name="Margo Bonal" userId="18c9fa0f-b53d-478b-9dc0-6ad88786c19f" providerId="ADAL" clId="{93D479E5-F67F-4B8A-A78F-A0B574A116B6}" dt="2026-02-21T22:02:24.466" v="1749" actId="21"/>
+        <pc:sldMkLst>
+          <pc:docMk/>
+          <pc:sldMk cId="3667650440" sldId="267"/>
+        </pc:sldMkLst>
+        <pc:spChg chg="mod">
+          <ac:chgData name="Margo Bonal" userId="18c9fa0f-b53d-478b-9dc0-6ad88786c19f" providerId="ADAL" clId="{93D479E5-F67F-4B8A-A78F-A0B574A116B6}" dt="2026-02-21T22:02:15.919" v="1747" actId="122"/>
+          <ac:spMkLst>
+            <pc:docMk/>
+            <pc:sldMk cId="3667650440" sldId="267"/>
+            <ac:spMk id="2" creationId="{DA0954DF-016C-D845-8992-C5BD91CB8DFF}"/>
+          </ac:spMkLst>
+        </pc:spChg>
+        <pc:spChg chg="del mod">
+          <ac:chgData name="Margo Bonal" userId="18c9fa0f-b53d-478b-9dc0-6ad88786c19f" providerId="ADAL" clId="{93D479E5-F67F-4B8A-A78F-A0B574A116B6}" dt="2026-02-21T22:02:20.383" v="1748" actId="21"/>
+          <ac:spMkLst>
+            <pc:docMk/>
+            <pc:sldMk cId="3667650440" sldId="267"/>
+            <ac:spMk id="3" creationId="{F8B4E830-C5F8-EA49-2869-688ACF76EBF8}"/>
+          </ac:spMkLst>
+        </pc:spChg>
+        <pc:spChg chg="add del mod">
+          <ac:chgData name="Margo Bonal" userId="18c9fa0f-b53d-478b-9dc0-6ad88786c19f" providerId="ADAL" clId="{93D479E5-F67F-4B8A-A78F-A0B574A116B6}" dt="2026-02-21T22:02:24.466" v="1749" actId="21"/>
+          <ac:spMkLst>
+            <pc:docMk/>
+            <pc:sldMk cId="3667650440" sldId="267"/>
+            <ac:spMk id="9" creationId="{BEE1B22B-DB10-C70F-FB1E-F54FEC8885AA}"/>
+          </ac:spMkLst>
+        </pc:spChg>
+        <pc:spChg chg="add del">
+          <ac:chgData name="Margo Bonal" userId="18c9fa0f-b53d-478b-9dc0-6ad88786c19f" providerId="ADAL" clId="{93D479E5-F67F-4B8A-A78F-A0B574A116B6}" dt="2026-02-21T21:49:36.892" v="1621" actId="26606"/>
+          <ac:spMkLst>
+            <pc:docMk/>
+            <pc:sldMk cId="3667650440" sldId="267"/>
+            <ac:spMk id="12" creationId="{2151139A-886F-4B97-8815-729AD3831BBD}"/>
+          </ac:spMkLst>
+        </pc:spChg>
+        <pc:spChg chg="add del">
+          <ac:chgData name="Margo Bonal" userId="18c9fa0f-b53d-478b-9dc0-6ad88786c19f" providerId="ADAL" clId="{93D479E5-F67F-4B8A-A78F-A0B574A116B6}" dt="2026-02-21T21:49:36.892" v="1621" actId="26606"/>
+          <ac:spMkLst>
+            <pc:docMk/>
+            <pc:sldMk cId="3667650440" sldId="267"/>
+            <ac:spMk id="14" creationId="{5428AC11-BFDF-42EF-80FF-717BBF909067}"/>
+          </ac:spMkLst>
+        </pc:spChg>
+        <pc:spChg chg="add del">
+          <ac:chgData name="Margo Bonal" userId="18c9fa0f-b53d-478b-9dc0-6ad88786c19f" providerId="ADAL" clId="{93D479E5-F67F-4B8A-A78F-A0B574A116B6}" dt="2026-02-21T21:49:36.892" v="1621" actId="26606"/>
+          <ac:spMkLst>
+            <pc:docMk/>
+            <pc:sldMk cId="3667650440" sldId="267"/>
+            <ac:spMk id="16" creationId="{2CC56AF6-38E4-490B-8E2B-1A1037B4EDD4}"/>
+          </ac:spMkLst>
+        </pc:spChg>
+        <pc:spChg chg="add del">
+          <ac:chgData name="Margo Bonal" userId="18c9fa0f-b53d-478b-9dc0-6ad88786c19f" providerId="ADAL" clId="{93D479E5-F67F-4B8A-A78F-A0B574A116B6}" dt="2026-02-21T21:49:36.892" v="1621" actId="26606"/>
+          <ac:spMkLst>
+            <pc:docMk/>
+            <pc:sldMk cId="3667650440" sldId="267"/>
+            <ac:spMk id="18" creationId="{2339A6F5-AD6A-4D80-8AD9-6290D13AC49F}"/>
+          </ac:spMkLst>
+        </pc:spChg>
+        <pc:spChg chg="add">
+          <ac:chgData name="Margo Bonal" userId="18c9fa0f-b53d-478b-9dc0-6ad88786c19f" providerId="ADAL" clId="{93D479E5-F67F-4B8A-A78F-A0B574A116B6}" dt="2026-02-21T21:49:36.921" v="1622" actId="26606"/>
+          <ac:spMkLst>
+            <pc:docMk/>
+            <pc:sldMk cId="3667650440" sldId="267"/>
+            <ac:spMk id="20" creationId="{2151139A-886F-4B97-8815-729AD3831BBD}"/>
+          </ac:spMkLst>
+        </pc:spChg>
+        <pc:spChg chg="add">
+          <ac:chgData name="Margo Bonal" userId="18c9fa0f-b53d-478b-9dc0-6ad88786c19f" providerId="ADAL" clId="{93D479E5-F67F-4B8A-A78F-A0B574A116B6}" dt="2026-02-21T21:49:36.921" v="1622" actId="26606"/>
+          <ac:spMkLst>
+            <pc:docMk/>
+            <pc:sldMk cId="3667650440" sldId="267"/>
+            <ac:spMk id="21" creationId="{5428AC11-BFDF-42EF-80FF-717BBF909067}"/>
+          </ac:spMkLst>
+        </pc:spChg>
+        <pc:spChg chg="add">
+          <ac:chgData name="Margo Bonal" userId="18c9fa0f-b53d-478b-9dc0-6ad88786c19f" providerId="ADAL" clId="{93D479E5-F67F-4B8A-A78F-A0B574A116B6}" dt="2026-02-21T21:49:36.921" v="1622" actId="26606"/>
+          <ac:spMkLst>
+            <pc:docMk/>
+            <pc:sldMk cId="3667650440" sldId="267"/>
+            <ac:spMk id="22" creationId="{2CC56AF6-38E4-490B-8E2B-1A1037B4EDD4}"/>
+          </ac:spMkLst>
+        </pc:spChg>
+        <pc:spChg chg="add">
+          <ac:chgData name="Margo Bonal" userId="18c9fa0f-b53d-478b-9dc0-6ad88786c19f" providerId="ADAL" clId="{93D479E5-F67F-4B8A-A78F-A0B574A116B6}" dt="2026-02-21T21:49:36.921" v="1622" actId="26606"/>
+          <ac:spMkLst>
+            <pc:docMk/>
+            <pc:sldMk cId="3667650440" sldId="267"/>
+            <ac:spMk id="23" creationId="{32FD26B0-16CE-4AD4-9CE4-A63EBF330831}"/>
+          </ac:spMkLst>
+        </pc:spChg>
+        <pc:picChg chg="add mod ord">
+          <ac:chgData name="Margo Bonal" userId="18c9fa0f-b53d-478b-9dc0-6ad88786c19f" providerId="ADAL" clId="{93D479E5-F67F-4B8A-A78F-A0B574A116B6}" dt="2026-02-21T21:49:36.921" v="1622" actId="26606"/>
+          <ac:picMkLst>
+            <pc:docMk/>
+            <pc:sldMk cId="3667650440" sldId="267"/>
+            <ac:picMk id="5" creationId="{FD76D878-3A30-FB4D-7FBB-E2CAABFAC68C}"/>
+          </ac:picMkLst>
+        </pc:picChg>
+        <pc:picChg chg="add mod ord">
+          <ac:chgData name="Margo Bonal" userId="18c9fa0f-b53d-478b-9dc0-6ad88786c19f" providerId="ADAL" clId="{93D479E5-F67F-4B8A-A78F-A0B574A116B6}" dt="2026-02-21T21:49:36.921" v="1622" actId="26606"/>
+          <ac:picMkLst>
+            <pc:docMk/>
+            <pc:sldMk cId="3667650440" sldId="267"/>
+            <ac:picMk id="7" creationId="{FAD03CEA-C103-137A-6541-3C7919AF09E8}"/>
+          </ac:picMkLst>
+        </pc:picChg>
+      </pc:sldChg>
+      <pc:sldChg chg="addSp delSp modSp new mod setBg">
+        <pc:chgData name="Margo Bonal" userId="18c9fa0f-b53d-478b-9dc0-6ad88786c19f" providerId="ADAL" clId="{93D479E5-F67F-4B8A-A78F-A0B574A116B6}" dt="2026-02-21T22:02:41.430" v="1752" actId="21"/>
+        <pc:sldMkLst>
+          <pc:docMk/>
+          <pc:sldMk cId="2380309321" sldId="268"/>
+        </pc:sldMkLst>
+        <pc:spChg chg="mod">
+          <ac:chgData name="Margo Bonal" userId="18c9fa0f-b53d-478b-9dc0-6ad88786c19f" providerId="ADAL" clId="{93D479E5-F67F-4B8A-A78F-A0B574A116B6}" dt="2026-02-21T22:00:43.326" v="1736" actId="20577"/>
+          <ac:spMkLst>
+            <pc:docMk/>
+            <pc:sldMk cId="2380309321" sldId="268"/>
+            <ac:spMk id="2" creationId="{A505808F-7D44-6A85-D501-49B998EF5753}"/>
+          </ac:spMkLst>
+        </pc:spChg>
+        <pc:spChg chg="del mod">
+          <ac:chgData name="Margo Bonal" userId="18c9fa0f-b53d-478b-9dc0-6ad88786c19f" providerId="ADAL" clId="{93D479E5-F67F-4B8A-A78F-A0B574A116B6}" dt="2026-02-21T22:02:41.430" v="1752" actId="21"/>
+          <ac:spMkLst>
+            <pc:docMk/>
+            <pc:sldMk cId="2380309321" sldId="268"/>
+            <ac:spMk id="3" creationId="{36070B78-80FA-50AB-5696-788C30865AAF}"/>
+          </ac:spMkLst>
+        </pc:spChg>
+        <pc:spChg chg="add">
+          <ac:chgData name="Margo Bonal" userId="18c9fa0f-b53d-478b-9dc0-6ad88786c19f" providerId="ADAL" clId="{93D479E5-F67F-4B8A-A78F-A0B574A116B6}" dt="2026-02-21T21:53:35.561" v="1665" actId="26606"/>
+          <ac:spMkLst>
+            <pc:docMk/>
+            <pc:sldMk cId="2380309321" sldId="268"/>
+            <ac:spMk id="10" creationId="{A8384FB5-9ADC-4DDC-881B-597D56F5B15D}"/>
+          </ac:spMkLst>
+        </pc:spChg>
+        <pc:spChg chg="add">
+          <ac:chgData name="Margo Bonal" userId="18c9fa0f-b53d-478b-9dc0-6ad88786c19f" providerId="ADAL" clId="{93D479E5-F67F-4B8A-A78F-A0B574A116B6}" dt="2026-02-21T21:53:35.561" v="1665" actId="26606"/>
+          <ac:spMkLst>
+            <pc:docMk/>
+            <pc:sldMk cId="2380309321" sldId="268"/>
+            <ac:spMk id="12" creationId="{1199E1B1-A8C0-4FE8-A5A8-1CB41D69F857}"/>
+          </ac:spMkLst>
+        </pc:spChg>
+        <pc:spChg chg="add">
+          <ac:chgData name="Margo Bonal" userId="18c9fa0f-b53d-478b-9dc0-6ad88786c19f" providerId="ADAL" clId="{93D479E5-F67F-4B8A-A78F-A0B574A116B6}" dt="2026-02-21T21:53:35.561" v="1665" actId="26606"/>
+          <ac:spMkLst>
+            <pc:docMk/>
+            <pc:sldMk cId="2380309321" sldId="268"/>
+            <ac:spMk id="14" creationId="{84A8DE83-DE75-4B41-9DB4-A7EC0B0DEC0B}"/>
+          </ac:spMkLst>
+        </pc:spChg>
+        <pc:spChg chg="add">
+          <ac:chgData name="Margo Bonal" userId="18c9fa0f-b53d-478b-9dc0-6ad88786c19f" providerId="ADAL" clId="{93D479E5-F67F-4B8A-A78F-A0B574A116B6}" dt="2026-02-21T21:53:35.561" v="1665" actId="26606"/>
+          <ac:spMkLst>
+            <pc:docMk/>
+            <pc:sldMk cId="2380309321" sldId="268"/>
+            <ac:spMk id="16" creationId="{A7009A0A-BEF5-4EAC-AF15-E4F9F002E239}"/>
+          </ac:spMkLst>
+        </pc:spChg>
+        <pc:picChg chg="add mod">
+          <ac:chgData name="Margo Bonal" userId="18c9fa0f-b53d-478b-9dc0-6ad88786c19f" providerId="ADAL" clId="{93D479E5-F67F-4B8A-A78F-A0B574A116B6}" dt="2026-02-21T22:02:35.902" v="1751" actId="1076"/>
+          <ac:picMkLst>
+            <pc:docMk/>
+            <pc:sldMk cId="2380309321" sldId="268"/>
+            <ac:picMk id="5" creationId="{6F870A30-2658-29DF-258E-C75A7497EE87}"/>
+          </ac:picMkLst>
+        </pc:picChg>
+      </pc:sldChg>
+      <pc:sldChg chg="addSp delSp modSp new mod setBg">
+        <pc:chgData name="Margo Bonal" userId="18c9fa0f-b53d-478b-9dc0-6ad88786c19f" providerId="ADAL" clId="{93D479E5-F67F-4B8A-A78F-A0B574A116B6}" dt="2026-02-21T22:02:46.761" v="1753" actId="21"/>
+        <pc:sldMkLst>
+          <pc:docMk/>
+          <pc:sldMk cId="884354200" sldId="269"/>
+        </pc:sldMkLst>
+        <pc:spChg chg="mod">
+          <ac:chgData name="Margo Bonal" userId="18c9fa0f-b53d-478b-9dc0-6ad88786c19f" providerId="ADAL" clId="{93D479E5-F67F-4B8A-A78F-A0B574A116B6}" dt="2026-02-21T22:00:48.517" v="1738" actId="20577"/>
+          <ac:spMkLst>
+            <pc:docMk/>
+            <pc:sldMk cId="884354200" sldId="269"/>
+            <ac:spMk id="2" creationId="{098A9E05-3407-06AF-8E14-D1D555C89F3B}"/>
+          </ac:spMkLst>
+        </pc:spChg>
+        <pc:spChg chg="del mod">
+          <ac:chgData name="Margo Bonal" userId="18c9fa0f-b53d-478b-9dc0-6ad88786c19f" providerId="ADAL" clId="{93D479E5-F67F-4B8A-A78F-A0B574A116B6}" dt="2026-02-21T22:02:46.761" v="1753" actId="21"/>
+          <ac:spMkLst>
+            <pc:docMk/>
+            <pc:sldMk cId="884354200" sldId="269"/>
+            <ac:spMk id="3" creationId="{32425DC6-EB15-A9A0-BC63-E9ECB41C5B17}"/>
+          </ac:spMkLst>
+        </pc:spChg>
+        <pc:spChg chg="add">
+          <ac:chgData name="Margo Bonal" userId="18c9fa0f-b53d-478b-9dc0-6ad88786c19f" providerId="ADAL" clId="{93D479E5-F67F-4B8A-A78F-A0B574A116B6}" dt="2026-02-21T21:58:07.647" v="1681" actId="26606"/>
+          <ac:spMkLst>
+            <pc:docMk/>
+            <pc:sldMk cId="884354200" sldId="269"/>
+            <ac:spMk id="10" creationId="{A8384FB5-9ADC-4DDC-881B-597D56F5B15D}"/>
+          </ac:spMkLst>
+        </pc:spChg>
+        <pc:spChg chg="add">
+          <ac:chgData name="Margo Bonal" userId="18c9fa0f-b53d-478b-9dc0-6ad88786c19f" providerId="ADAL" clId="{93D479E5-F67F-4B8A-A78F-A0B574A116B6}" dt="2026-02-21T21:58:07.647" v="1681" actId="26606"/>
+          <ac:spMkLst>
+            <pc:docMk/>
+            <pc:sldMk cId="884354200" sldId="269"/>
+            <ac:spMk id="12" creationId="{1199E1B1-A8C0-4FE8-A5A8-1CB41D69F857}"/>
+          </ac:spMkLst>
+        </pc:spChg>
+        <pc:spChg chg="add">
+          <ac:chgData name="Margo Bonal" userId="18c9fa0f-b53d-478b-9dc0-6ad88786c19f" providerId="ADAL" clId="{93D479E5-F67F-4B8A-A78F-A0B574A116B6}" dt="2026-02-21T21:58:07.647" v="1681" actId="26606"/>
+          <ac:spMkLst>
+            <pc:docMk/>
+            <pc:sldMk cId="884354200" sldId="269"/>
+            <ac:spMk id="14" creationId="{84A8DE83-DE75-4B41-9DB4-A7EC0B0DEC0B}"/>
+          </ac:spMkLst>
+        </pc:spChg>
+        <pc:spChg chg="add">
+          <ac:chgData name="Margo Bonal" userId="18c9fa0f-b53d-478b-9dc0-6ad88786c19f" providerId="ADAL" clId="{93D479E5-F67F-4B8A-A78F-A0B574A116B6}" dt="2026-02-21T21:58:07.647" v="1681" actId="26606"/>
+          <ac:spMkLst>
+            <pc:docMk/>
+            <pc:sldMk cId="884354200" sldId="269"/>
+            <ac:spMk id="16" creationId="{A7009A0A-BEF5-4EAC-AF15-E4F9F002E239}"/>
+          </ac:spMkLst>
+        </pc:spChg>
+        <pc:picChg chg="add mod">
+          <ac:chgData name="Margo Bonal" userId="18c9fa0f-b53d-478b-9dc0-6ad88786c19f" providerId="ADAL" clId="{93D479E5-F67F-4B8A-A78F-A0B574A116B6}" dt="2026-02-21T21:58:07.647" v="1681" actId="26606"/>
+          <ac:picMkLst>
+            <pc:docMk/>
+            <pc:sldMk cId="884354200" sldId="269"/>
+            <ac:picMk id="5" creationId="{A07F6FE6-43B8-3F8D-BF8E-18511233EC8D}"/>
+          </ac:picMkLst>
+        </pc:picChg>
+      </pc:sldChg>
+      <pc:sldChg chg="addSp delSp modSp new mod setBg">
+        <pc:chgData name="Margo Bonal" userId="18c9fa0f-b53d-478b-9dc0-6ad88786c19f" providerId="ADAL" clId="{93D479E5-F67F-4B8A-A78F-A0B574A116B6}" dt="2026-02-21T22:02:52.738" v="1754" actId="21"/>
+        <pc:sldMkLst>
+          <pc:docMk/>
+          <pc:sldMk cId="3857486133" sldId="270"/>
+        </pc:sldMkLst>
+        <pc:spChg chg="mod">
+          <ac:chgData name="Margo Bonal" userId="18c9fa0f-b53d-478b-9dc0-6ad88786c19f" providerId="ADAL" clId="{93D479E5-F67F-4B8A-A78F-A0B574A116B6}" dt="2026-02-21T22:01:00.043" v="1740" actId="20577"/>
+          <ac:spMkLst>
+            <pc:docMk/>
+            <pc:sldMk cId="3857486133" sldId="270"/>
+            <ac:spMk id="2" creationId="{943F0D26-C404-6E35-D4F7-10155F5D3A98}"/>
+          </ac:spMkLst>
+        </pc:spChg>
+        <pc:spChg chg="del mod">
+          <ac:chgData name="Margo Bonal" userId="18c9fa0f-b53d-478b-9dc0-6ad88786c19f" providerId="ADAL" clId="{93D479E5-F67F-4B8A-A78F-A0B574A116B6}" dt="2026-02-21T22:02:52.738" v="1754" actId="21"/>
+          <ac:spMkLst>
+            <pc:docMk/>
+            <pc:sldMk cId="3857486133" sldId="270"/>
+            <ac:spMk id="3" creationId="{EE0AA41D-2840-DED4-56A9-8D5A58DB86E8}"/>
+          </ac:spMkLst>
+        </pc:spChg>
+        <pc:spChg chg="add">
+          <ac:chgData name="Margo Bonal" userId="18c9fa0f-b53d-478b-9dc0-6ad88786c19f" providerId="ADAL" clId="{93D479E5-F67F-4B8A-A78F-A0B574A116B6}" dt="2026-02-21T21:59:54.289" v="1711" actId="26606"/>
+          <ac:spMkLst>
+            <pc:docMk/>
+            <pc:sldMk cId="3857486133" sldId="270"/>
+            <ac:spMk id="10" creationId="{A8384FB5-9ADC-4DDC-881B-597D56F5B15D}"/>
+          </ac:spMkLst>
+        </pc:spChg>
+        <pc:spChg chg="add">
+          <ac:chgData name="Margo Bonal" userId="18c9fa0f-b53d-478b-9dc0-6ad88786c19f" providerId="ADAL" clId="{93D479E5-F67F-4B8A-A78F-A0B574A116B6}" dt="2026-02-21T21:59:54.289" v="1711" actId="26606"/>
+          <ac:spMkLst>
+            <pc:docMk/>
+            <pc:sldMk cId="3857486133" sldId="270"/>
+            <ac:spMk id="12" creationId="{1199E1B1-A8C0-4FE8-A5A8-1CB41D69F857}"/>
+          </ac:spMkLst>
+        </pc:spChg>
+        <pc:spChg chg="add">
+          <ac:chgData name="Margo Bonal" userId="18c9fa0f-b53d-478b-9dc0-6ad88786c19f" providerId="ADAL" clId="{93D479E5-F67F-4B8A-A78F-A0B574A116B6}" dt="2026-02-21T21:59:54.289" v="1711" actId="26606"/>
+          <ac:spMkLst>
+            <pc:docMk/>
+            <pc:sldMk cId="3857486133" sldId="270"/>
+            <ac:spMk id="14" creationId="{84A8DE83-DE75-4B41-9DB4-A7EC0B0DEC0B}"/>
+          </ac:spMkLst>
+        </pc:spChg>
+        <pc:spChg chg="add">
+          <ac:chgData name="Margo Bonal" userId="18c9fa0f-b53d-478b-9dc0-6ad88786c19f" providerId="ADAL" clId="{93D479E5-F67F-4B8A-A78F-A0B574A116B6}" dt="2026-02-21T21:59:54.289" v="1711" actId="26606"/>
+          <ac:spMkLst>
+            <pc:docMk/>
+            <pc:sldMk cId="3857486133" sldId="270"/>
+            <ac:spMk id="16" creationId="{A7009A0A-BEF5-4EAC-AF15-E4F9F002E239}"/>
+          </ac:spMkLst>
+        </pc:spChg>
+        <pc:picChg chg="add mod modCrop">
+          <ac:chgData name="Margo Bonal" userId="18c9fa0f-b53d-478b-9dc0-6ad88786c19f" providerId="ADAL" clId="{93D479E5-F67F-4B8A-A78F-A0B574A116B6}" dt="2026-02-21T21:59:54.289" v="1711" actId="26606"/>
+          <ac:picMkLst>
+            <pc:docMk/>
+            <pc:sldMk cId="3857486133" sldId="270"/>
+            <ac:picMk id="5" creationId="{6C01547A-003F-2DA0-1CB8-4E92D18977A2}"/>
+          </ac:picMkLst>
+        </pc:picChg>
       </pc:sldChg>
     </pc:docChg>
   </pc:docChgLst>
@@ -6374,7 +6702,7 @@
           <a:p>
             <a:fld id="{C882E6FB-EB88-4936-BED9-9E37159958CA}" type="datetimeFigureOut">
               <a:rPr lang="en-US" smtClean="0"/>
-              <a:t>2/20/2026</a:t>
+              <a:t>2/21/2026</a:t>
             </a:fld>
             <a:endParaRPr lang="en-US"/>
           </a:p>
@@ -6572,7 +6900,7 @@
           <a:p>
             <a:fld id="{C882E6FB-EB88-4936-BED9-9E37159958CA}" type="datetimeFigureOut">
               <a:rPr lang="en-US" smtClean="0"/>
-              <a:t>2/20/2026</a:t>
+              <a:t>2/21/2026</a:t>
             </a:fld>
             <a:endParaRPr lang="en-US"/>
           </a:p>
@@ -6780,7 +7108,7 @@
           <a:p>
             <a:fld id="{C882E6FB-EB88-4936-BED9-9E37159958CA}" type="datetimeFigureOut">
               <a:rPr lang="en-US" smtClean="0"/>
-              <a:t>2/20/2026</a:t>
+              <a:t>2/21/2026</a:t>
             </a:fld>
             <a:endParaRPr lang="en-US"/>
           </a:p>
@@ -6978,7 +7306,7 @@
           <a:p>
             <a:fld id="{C882E6FB-EB88-4936-BED9-9E37159958CA}" type="datetimeFigureOut">
               <a:rPr lang="en-US" smtClean="0"/>
-              <a:t>2/20/2026</a:t>
+              <a:t>2/21/2026</a:t>
             </a:fld>
             <a:endParaRPr lang="en-US"/>
           </a:p>
@@ -7253,7 +7581,7 @@
           <a:p>
             <a:fld id="{C882E6FB-EB88-4936-BED9-9E37159958CA}" type="datetimeFigureOut">
               <a:rPr lang="en-US" smtClean="0"/>
-              <a:t>2/20/2026</a:t>
+              <a:t>2/21/2026</a:t>
             </a:fld>
             <a:endParaRPr lang="en-US"/>
           </a:p>
@@ -7518,7 +7846,7 @@
           <a:p>
             <a:fld id="{C882E6FB-EB88-4936-BED9-9E37159958CA}" type="datetimeFigureOut">
               <a:rPr lang="en-US" smtClean="0"/>
-              <a:t>2/20/2026</a:t>
+              <a:t>2/21/2026</a:t>
             </a:fld>
             <a:endParaRPr lang="en-US"/>
           </a:p>
@@ -7930,7 +8258,7 @@
           <a:p>
             <a:fld id="{C882E6FB-EB88-4936-BED9-9E37159958CA}" type="datetimeFigureOut">
               <a:rPr lang="en-US" smtClean="0"/>
-              <a:t>2/20/2026</a:t>
+              <a:t>2/21/2026</a:t>
             </a:fld>
             <a:endParaRPr lang="en-US"/>
           </a:p>
@@ -8071,7 +8399,7 @@
           <a:p>
             <a:fld id="{C882E6FB-EB88-4936-BED9-9E37159958CA}" type="datetimeFigureOut">
               <a:rPr lang="en-US" smtClean="0"/>
-              <a:t>2/20/2026</a:t>
+              <a:t>2/21/2026</a:t>
             </a:fld>
             <a:endParaRPr lang="en-US"/>
           </a:p>
@@ -8184,7 +8512,7 @@
           <a:p>
             <a:fld id="{C882E6FB-EB88-4936-BED9-9E37159958CA}" type="datetimeFigureOut">
               <a:rPr lang="en-US" smtClean="0"/>
-              <a:t>2/20/2026</a:t>
+              <a:t>2/21/2026</a:t>
             </a:fld>
             <a:endParaRPr lang="en-US"/>
           </a:p>
@@ -8495,7 +8823,7 @@
           <a:p>
             <a:fld id="{C882E6FB-EB88-4936-BED9-9E37159958CA}" type="datetimeFigureOut">
               <a:rPr lang="en-US" smtClean="0"/>
-              <a:t>2/20/2026</a:t>
+              <a:t>2/21/2026</a:t>
             </a:fld>
             <a:endParaRPr lang="en-US"/>
           </a:p>
@@ -8783,7 +9111,7 @@
           <a:p>
             <a:fld id="{C882E6FB-EB88-4936-BED9-9E37159958CA}" type="datetimeFigureOut">
               <a:rPr lang="en-US" smtClean="0"/>
-              <a:t>2/20/2026</a:t>
+              <a:t>2/21/2026</a:t>
             </a:fld>
             <a:endParaRPr lang="en-US"/>
           </a:p>
@@ -9024,7 +9352,7 @@
           <a:p>
             <a:fld id="{C882E6FB-EB88-4936-BED9-9E37159958CA}" type="datetimeFigureOut">
               <a:rPr lang="en-US" smtClean="0"/>
-              <a:t>2/20/2026</a:t>
+              <a:t>2/21/2026</a:t>
             </a:fld>
             <a:endParaRPr lang="en-US"/>
           </a:p>
@@ -9737,6 +10065,1097 @@
 </p:sld>
 </file>
 
+<file path=ppt/slides/slide10.xml><?xml version="1.0" encoding="utf-8"?>
+<p:sld xmlns:a="http://schemas.openxmlformats.org/drawingml/2006/main" xmlns:r="http://schemas.openxmlformats.org/officeDocument/2006/relationships" xmlns:p="http://schemas.openxmlformats.org/presentationml/2006/main">
+  <p:cSld>
+    <p:bg>
+      <p:bgPr>
+        <a:solidFill>
+          <a:schemeClr val="bg1"/>
+        </a:solidFill>
+        <a:effectLst/>
+      </p:bgPr>
+    </p:bg>
+    <p:spTree>
+      <p:nvGrpSpPr>
+        <p:cNvPr id="1" name="">
+          <a:extLst>
+            <a:ext uri="{FF2B5EF4-FFF2-40B4-BE49-F238E27FC236}">
+              <a16:creationId xmlns:a16="http://schemas.microsoft.com/office/drawing/2014/main" id="{38138CFD-A501-8AEC-C666-BED845111F6D}"/>
+            </a:ext>
+          </a:extLst>
+        </p:cNvPr>
+        <p:cNvGrpSpPr/>
+        <p:nvPr/>
+      </p:nvGrpSpPr>
+      <p:grpSpPr>
+        <a:xfrm>
+          <a:off x="0" y="0"/>
+          <a:ext cx="0" cy="0"/>
+          <a:chOff x="0" y="0"/>
+          <a:chExt cx="0" cy="0"/>
+        </a:xfrm>
+      </p:grpSpPr>
+      <p:sp useBgFill="1">
+        <p:nvSpPr>
+          <p:cNvPr id="21" name="Rectangle 20">
+            <a:extLst>
+              <a:ext uri="{FF2B5EF4-FFF2-40B4-BE49-F238E27FC236}">
+                <a16:creationId xmlns:a16="http://schemas.microsoft.com/office/drawing/2014/main" id="{356F68EF-088F-20DD-B4B1-6BCF0A8C9BF2}"/>
+              </a:ext>
+              <a:ext uri="{C183D7F6-B498-43B3-948B-1728B52AA6E4}">
+                <adec:decorative xmlns:adec="http://schemas.microsoft.com/office/drawing/2017/decorative" val="1"/>
+              </a:ext>
+            </a:extLst>
+          </p:cNvPr>
+          <p:cNvSpPr>
+            <a:spLocks noGrp="1" noRot="1" noChangeAspect="1" noMove="1" noResize="1" noEditPoints="1" noAdjustHandles="1" noChangeArrowheads="1" noChangeShapeType="1" noTextEdit="1"/>
+          </p:cNvSpPr>
+          <p:nvPr>
+            <p:extLst>
+              <p:ext uri="{386F3935-93C4-4BCD-93E2-E3B085C9AB24}">
+                <p16:designElem xmlns:p16="http://schemas.microsoft.com/office/powerpoint/2015/main" val="1"/>
+              </p:ext>
+            </p:extLst>
+          </p:nvPr>
+        </p:nvSpPr>
+        <p:spPr>
+          <a:xfrm>
+            <a:off x="0" y="0"/>
+            <a:ext cx="12191999" cy="6857365"/>
+          </a:xfrm>
+          <a:prstGeom prst="rect">
+            <a:avLst/>
+          </a:prstGeom>
+          <a:ln>
+            <a:noFill/>
+          </a:ln>
+        </p:spPr>
+        <p:style>
+          <a:lnRef idx="2">
+            <a:schemeClr val="accent1">
+              <a:shade val="50000"/>
+            </a:schemeClr>
+          </a:lnRef>
+          <a:fillRef idx="1">
+            <a:schemeClr val="accent1"/>
+          </a:fillRef>
+          <a:effectRef idx="0">
+            <a:schemeClr val="accent1"/>
+          </a:effectRef>
+          <a:fontRef idx="minor">
+            <a:schemeClr val="lt1"/>
+          </a:fontRef>
+        </p:style>
+        <p:txBody>
+          <a:bodyPr rtlCol="0" anchor="ctr"/>
+          <a:lstStyle/>
+          <a:p>
+            <a:pPr algn="ctr"/>
+            <a:endParaRPr lang="en-US"/>
+          </a:p>
+        </p:txBody>
+      </p:sp>
+      <p:sp>
+        <p:nvSpPr>
+          <p:cNvPr id="22" name="Rectangle 21">
+            <a:extLst>
+              <a:ext uri="{FF2B5EF4-FFF2-40B4-BE49-F238E27FC236}">
+                <a16:creationId xmlns:a16="http://schemas.microsoft.com/office/drawing/2014/main" id="{9EF082FE-D96F-0D2A-34AA-F987D0796D34}"/>
+              </a:ext>
+              <a:ext uri="{C183D7F6-B498-43B3-948B-1728B52AA6E4}">
+                <adec:decorative xmlns:adec="http://schemas.microsoft.com/office/drawing/2017/decorative" val="1"/>
+              </a:ext>
+            </a:extLst>
+          </p:cNvPr>
+          <p:cNvSpPr>
+            <a:spLocks noGrp="1" noRot="1" noChangeAspect="1" noMove="1" noResize="1" noEditPoints="1" noAdjustHandles="1" noChangeArrowheads="1" noChangeShapeType="1" noTextEdit="1"/>
+          </p:cNvSpPr>
+          <p:nvPr>
+            <p:extLst>
+              <p:ext uri="{386F3935-93C4-4BCD-93E2-E3B085C9AB24}">
+                <p16:designElem xmlns:p16="http://schemas.microsoft.com/office/powerpoint/2015/main" val="1"/>
+              </p:ext>
+            </p:extLst>
+          </p:nvPr>
+        </p:nvSpPr>
+        <p:spPr>
+          <a:xfrm>
+            <a:off x="0" y="1"/>
+            <a:ext cx="12192000" cy="5187142"/>
+          </a:xfrm>
+          <a:prstGeom prst="rect">
+            <a:avLst/>
+          </a:prstGeom>
+          <a:solidFill>
+            <a:schemeClr val="accent4"/>
+          </a:solidFill>
+          <a:ln>
+            <a:noFill/>
+          </a:ln>
+        </p:spPr>
+        <p:style>
+          <a:lnRef idx="2">
+            <a:schemeClr val="accent1">
+              <a:shade val="50000"/>
+            </a:schemeClr>
+          </a:lnRef>
+          <a:fillRef idx="1">
+            <a:schemeClr val="accent1"/>
+          </a:fillRef>
+          <a:effectRef idx="0">
+            <a:schemeClr val="accent1"/>
+          </a:effectRef>
+          <a:fontRef idx="minor">
+            <a:schemeClr val="lt1"/>
+          </a:fontRef>
+        </p:style>
+        <p:txBody>
+          <a:bodyPr rtlCol="0" anchor="ctr"/>
+          <a:lstStyle/>
+          <a:p>
+            <a:pPr algn="ctr"/>
+            <a:endParaRPr lang="en-US" dirty="0"/>
+          </a:p>
+        </p:txBody>
+      </p:sp>
+      <p:sp>
+        <p:nvSpPr>
+          <p:cNvPr id="23" name="Rectangle 22">
+            <a:extLst>
+              <a:ext uri="{FF2B5EF4-FFF2-40B4-BE49-F238E27FC236}">
+                <a16:creationId xmlns:a16="http://schemas.microsoft.com/office/drawing/2014/main" id="{0BE13FF0-F6F1-375E-D271-70DAE72E1AC7}"/>
+              </a:ext>
+              <a:ext uri="{C183D7F6-B498-43B3-948B-1728B52AA6E4}">
+                <adec:decorative xmlns:adec="http://schemas.microsoft.com/office/drawing/2017/decorative" val="1"/>
+              </a:ext>
+            </a:extLst>
+          </p:cNvPr>
+          <p:cNvSpPr>
+            <a:spLocks noGrp="1" noRot="1" noChangeAspect="1" noMove="1" noResize="1" noEditPoints="1" noAdjustHandles="1" noChangeArrowheads="1" noChangeShapeType="1" noTextEdit="1"/>
+          </p:cNvSpPr>
+          <p:nvPr>
+            <p:extLst>
+              <p:ext uri="{386F3935-93C4-4BCD-93E2-E3B085C9AB24}">
+                <p16:designElem xmlns:p16="http://schemas.microsoft.com/office/powerpoint/2015/main" val="1"/>
+              </p:ext>
+            </p:extLst>
+          </p:nvPr>
+        </p:nvSpPr>
+        <p:spPr>
+          <a:xfrm>
+            <a:off x="596464" y="551961"/>
+            <a:ext cx="10999072" cy="5399950"/>
+          </a:xfrm>
+          <a:prstGeom prst="rect">
+            <a:avLst/>
+          </a:prstGeom>
+          <a:solidFill>
+            <a:schemeClr val="bg1"/>
+          </a:solidFill>
+          <a:ln>
+            <a:noFill/>
+          </a:ln>
+          <a:effectLst>
+            <a:outerShdw blurRad="139700" dist="127000" dir="5400000" algn="t" rotWithShape="0">
+              <a:prstClr val="black">
+                <a:alpha val="15000"/>
+              </a:prstClr>
+            </a:outerShdw>
+          </a:effectLst>
+        </p:spPr>
+        <p:style>
+          <a:lnRef idx="2">
+            <a:schemeClr val="accent1">
+              <a:shade val="50000"/>
+            </a:schemeClr>
+          </a:lnRef>
+          <a:fillRef idx="1">
+            <a:schemeClr val="accent1"/>
+          </a:fillRef>
+          <a:effectRef idx="0">
+            <a:schemeClr val="accent1"/>
+          </a:effectRef>
+          <a:fontRef idx="minor">
+            <a:schemeClr val="lt1"/>
+          </a:fontRef>
+        </p:style>
+        <p:txBody>
+          <a:bodyPr rtlCol="0" anchor="ctr"/>
+          <a:lstStyle/>
+          <a:p>
+            <a:pPr algn="ctr"/>
+            <a:endParaRPr lang="en-US"/>
+          </a:p>
+        </p:txBody>
+      </p:sp>
+      <p:cxnSp>
+        <p:nvCxnSpPr>
+          <p:cNvPr id="25" name="Straight Connector 24">
+            <a:extLst>
+              <a:ext uri="{FF2B5EF4-FFF2-40B4-BE49-F238E27FC236}">
+                <a16:creationId xmlns:a16="http://schemas.microsoft.com/office/drawing/2014/main" id="{3A7F67B2-22A5-7F2D-13EB-E06229F5CB46}"/>
+              </a:ext>
+              <a:ext uri="{C183D7F6-B498-43B3-948B-1728B52AA6E4}">
+                <adec:decorative xmlns:adec="http://schemas.microsoft.com/office/drawing/2017/decorative" val="1"/>
+              </a:ext>
+            </a:extLst>
+          </p:cNvPr>
+          <p:cNvCxnSpPr>
+            <a:cxnSpLocks noGrp="1" noRot="1" noChangeAspect="1" noMove="1" noResize="1" noEditPoints="1" noAdjustHandles="1" noChangeArrowheads="1" noChangeShapeType="1"/>
+          </p:cNvCxnSpPr>
+          <p:nvPr>
+            <p:extLst>
+              <p:ext uri="{386F3935-93C4-4BCD-93E2-E3B085C9AB24}">
+                <p16:designElem xmlns:p16="http://schemas.microsoft.com/office/powerpoint/2015/main" val="1"/>
+              </p:ext>
+            </p:extLst>
+          </p:nvPr>
+        </p:nvCxnSpPr>
+        <p:spPr>
+          <a:xfrm flipH="1">
+            <a:off x="596464" y="6329769"/>
+            <a:ext cx="11000232" cy="0"/>
+          </a:xfrm>
+          <a:prstGeom prst="line">
+            <a:avLst/>
+          </a:prstGeom>
+          <a:ln w="152400">
+            <a:solidFill>
+              <a:schemeClr val="accent4"/>
+            </a:solidFill>
+          </a:ln>
+        </p:spPr>
+        <p:style>
+          <a:lnRef idx="1">
+            <a:schemeClr val="accent1"/>
+          </a:lnRef>
+          <a:fillRef idx="0">
+            <a:schemeClr val="accent1"/>
+          </a:fillRef>
+          <a:effectRef idx="0">
+            <a:schemeClr val="accent1"/>
+          </a:effectRef>
+          <a:fontRef idx="minor">
+            <a:schemeClr val="tx1"/>
+          </a:fontRef>
+        </p:style>
+      </p:cxnSp>
+      <p:sp>
+        <p:nvSpPr>
+          <p:cNvPr id="9" name="Title 1">
+            <a:extLst>
+              <a:ext uri="{FF2B5EF4-FFF2-40B4-BE49-F238E27FC236}">
+                <a16:creationId xmlns:a16="http://schemas.microsoft.com/office/drawing/2014/main" id="{D6D36DC8-D9BF-8C26-69EA-ED89E34DB644}"/>
+              </a:ext>
+            </a:extLst>
+          </p:cNvPr>
+          <p:cNvSpPr>
+            <a:spLocks noGrp="1"/>
+          </p:cNvSpPr>
+          <p:nvPr>
+            <p:ph type="title"/>
+          </p:nvPr>
+        </p:nvSpPr>
+        <p:spPr>
+          <a:xfrm>
+            <a:off x="4008559" y="768350"/>
+            <a:ext cx="4162181" cy="920920"/>
+          </a:xfrm>
+        </p:spPr>
+        <p:txBody>
+          <a:bodyPr/>
+          <a:lstStyle/>
+          <a:p>
+            <a:r>
+              <a:rPr lang="en-US" dirty="0"/>
+              <a:t>Week 7 Plan</a:t>
+            </a:r>
+          </a:p>
+        </p:txBody>
+      </p:sp>
+      <p:graphicFrame>
+        <p:nvGraphicFramePr>
+          <p:cNvPr id="27" name="Text Placeholder 2">
+            <a:extLst>
+              <a:ext uri="{FF2B5EF4-FFF2-40B4-BE49-F238E27FC236}">
+                <a16:creationId xmlns:a16="http://schemas.microsoft.com/office/drawing/2014/main" id="{D6B93F0B-FEB0-EDAB-CFE1-A57DEFE97FCD}"/>
+              </a:ext>
+            </a:extLst>
+          </p:cNvPr>
+          <p:cNvGraphicFramePr/>
+          <p:nvPr>
+            <p:extLst>
+              <p:ext uri="{D42A27DB-BD31-4B8C-83A1-F6EECF244321}">
+                <p14:modId xmlns:p14="http://schemas.microsoft.com/office/powerpoint/2010/main" val="3627196459"/>
+              </p:ext>
+            </p:extLst>
+          </p:nvPr>
+        </p:nvGraphicFramePr>
+        <p:xfrm>
+          <a:off x="838199" y="2688113"/>
+          <a:ext cx="10515600" cy="3050990"/>
+        </p:xfrm>
+        <a:graphic>
+          <a:graphicData uri="http://schemas.openxmlformats.org/drawingml/2006/diagram">
+            <dgm:relIds xmlns:dgm="http://schemas.openxmlformats.org/drawingml/2006/diagram" xmlns:r="http://schemas.openxmlformats.org/officeDocument/2006/relationships" r:dm="rId2" r:lo="rId3" r:qs="rId4" r:cs="rId5"/>
+          </a:graphicData>
+        </a:graphic>
+      </p:graphicFrame>
+    </p:spTree>
+    <p:extLst>
+      <p:ext uri="{BB962C8B-B14F-4D97-AF65-F5344CB8AC3E}">
+        <p14:creationId xmlns:p14="http://schemas.microsoft.com/office/powerpoint/2010/main" val="2561402868"/>
+      </p:ext>
+    </p:extLst>
+  </p:cSld>
+  <p:clrMapOvr>
+    <a:masterClrMapping/>
+  </p:clrMapOvr>
+</p:sld>
+</file>
+
+<file path=ppt/slides/slide11.xml><?xml version="1.0" encoding="utf-8"?>
+<p:sld xmlns:a="http://schemas.openxmlformats.org/drawingml/2006/main" xmlns:r="http://schemas.openxmlformats.org/officeDocument/2006/relationships" xmlns:p="http://schemas.openxmlformats.org/presentationml/2006/main">
+  <p:cSld>
+    <p:bg>
+      <p:bgPr>
+        <a:solidFill>
+          <a:schemeClr val="bg1"/>
+        </a:solidFill>
+        <a:effectLst/>
+      </p:bgPr>
+    </p:bg>
+    <p:spTree>
+      <p:nvGrpSpPr>
+        <p:cNvPr id="1" name=""/>
+        <p:cNvGrpSpPr/>
+        <p:nvPr/>
+      </p:nvGrpSpPr>
+      <p:grpSpPr>
+        <a:xfrm>
+          <a:off x="0" y="0"/>
+          <a:ext cx="0" cy="0"/>
+          <a:chOff x="0" y="0"/>
+          <a:chExt cx="0" cy="0"/>
+        </a:xfrm>
+      </p:grpSpPr>
+      <p:sp useBgFill="1">
+        <p:nvSpPr>
+          <p:cNvPr id="28" name="Rectangle 27">
+            <a:extLst>
+              <a:ext uri="{FF2B5EF4-FFF2-40B4-BE49-F238E27FC236}">
+                <a16:creationId xmlns:a16="http://schemas.microsoft.com/office/drawing/2014/main" id="{C1A1C5D3-C053-4EE9-BE1A-419B6E27CCAE}"/>
+              </a:ext>
+              <a:ext uri="{C183D7F6-B498-43B3-948B-1728B52AA6E4}">
+                <adec:decorative xmlns:adec="http://schemas.microsoft.com/office/drawing/2017/decorative" val="1"/>
+              </a:ext>
+            </a:extLst>
+          </p:cNvPr>
+          <p:cNvSpPr>
+            <a:spLocks noGrp="1" noRot="1" noChangeAspect="1" noMove="1" noResize="1" noEditPoints="1" noAdjustHandles="1" noChangeArrowheads="1" noChangeShapeType="1" noTextEdit="1"/>
+          </p:cNvSpPr>
+          <p:nvPr>
+            <p:extLst>
+              <p:ext uri="{386F3935-93C4-4BCD-93E2-E3B085C9AB24}">
+                <p16:designElem xmlns:p16="http://schemas.microsoft.com/office/powerpoint/2015/main" val="1"/>
+              </p:ext>
+            </p:extLst>
+          </p:nvPr>
+        </p:nvSpPr>
+        <p:spPr>
+          <a:xfrm>
+            <a:off x="0" y="0"/>
+            <a:ext cx="12192000" cy="6858000"/>
+          </a:xfrm>
+          <a:prstGeom prst="rect">
+            <a:avLst/>
+          </a:prstGeom>
+          <a:ln>
+            <a:noFill/>
+          </a:ln>
+        </p:spPr>
+        <p:style>
+          <a:lnRef idx="2">
+            <a:schemeClr val="accent1">
+              <a:shade val="50000"/>
+            </a:schemeClr>
+          </a:lnRef>
+          <a:fillRef idx="1">
+            <a:schemeClr val="accent1"/>
+          </a:fillRef>
+          <a:effectRef idx="0">
+            <a:schemeClr val="accent1"/>
+          </a:effectRef>
+          <a:fontRef idx="minor">
+            <a:schemeClr val="lt1"/>
+          </a:fontRef>
+        </p:style>
+        <p:txBody>
+          <a:bodyPr rtlCol="0" anchor="ctr"/>
+          <a:lstStyle/>
+          <a:p>
+            <a:pPr algn="ctr"/>
+            <a:endParaRPr lang="en-US"/>
+          </a:p>
+        </p:txBody>
+      </p:sp>
+      <p:sp useBgFill="1">
+        <p:nvSpPr>
+          <p:cNvPr id="30" name="Rectangle 29">
+            <a:extLst>
+              <a:ext uri="{FF2B5EF4-FFF2-40B4-BE49-F238E27FC236}">
+                <a16:creationId xmlns:a16="http://schemas.microsoft.com/office/drawing/2014/main" id="{A3473CF9-37EB-43E7-89EF-D2D1C53D1DAC}"/>
+              </a:ext>
+              <a:ext uri="{C183D7F6-B498-43B3-948B-1728B52AA6E4}">
+                <adec:decorative xmlns:adec="http://schemas.microsoft.com/office/drawing/2017/decorative" val="1"/>
+              </a:ext>
+            </a:extLst>
+          </p:cNvPr>
+          <p:cNvSpPr>
+            <a:spLocks noGrp="1" noRot="1" noChangeAspect="1" noMove="1" noResize="1" noEditPoints="1" noAdjustHandles="1" noChangeArrowheads="1" noChangeShapeType="1" noTextEdit="1"/>
+          </p:cNvSpPr>
+          <p:nvPr>
+            <p:extLst>
+              <p:ext uri="{386F3935-93C4-4BCD-93E2-E3B085C9AB24}">
+                <p16:designElem xmlns:p16="http://schemas.microsoft.com/office/powerpoint/2015/main" val="1"/>
+              </p:ext>
+            </p:extLst>
+          </p:nvPr>
+        </p:nvSpPr>
+        <p:spPr>
+          <a:xfrm>
+            <a:off x="1903615" y="221673"/>
+            <a:ext cx="8384770" cy="1332634"/>
+          </a:xfrm>
+          <a:prstGeom prst="rect">
+            <a:avLst/>
+          </a:prstGeom>
+          <a:ln w="12700">
+            <a:solidFill>
+              <a:srgbClr val="E1E1E1"/>
+            </a:solidFill>
+          </a:ln>
+          <a:effectLst>
+            <a:outerShdw blurRad="50800" dist="38100" dir="2700000" algn="tl" rotWithShape="0">
+              <a:schemeClr val="bg2">
+                <a:lumMod val="85000"/>
+                <a:alpha val="50000"/>
+              </a:schemeClr>
+            </a:outerShdw>
+          </a:effectLst>
+        </p:spPr>
+        <p:style>
+          <a:lnRef idx="2">
+            <a:schemeClr val="accent1">
+              <a:shade val="50000"/>
+            </a:schemeClr>
+          </a:lnRef>
+          <a:fillRef idx="1">
+            <a:schemeClr val="accent1"/>
+          </a:fillRef>
+          <a:effectRef idx="0">
+            <a:schemeClr val="accent1"/>
+          </a:effectRef>
+          <a:fontRef idx="minor">
+            <a:schemeClr val="lt1"/>
+          </a:fontRef>
+        </p:style>
+        <p:txBody>
+          <a:bodyPr rtlCol="0" anchor="ctr"/>
+          <a:lstStyle/>
+          <a:p>
+            <a:pPr marL="0" marR="0" lvl="0" indent="0" algn="ctr" defTabSz="914400" rtl="0" eaLnBrk="1" fontAlgn="auto" latinLnBrk="0" hangingPunct="1">
+              <a:lnSpc>
+                <a:spcPct val="100000"/>
+              </a:lnSpc>
+              <a:spcBef>
+                <a:spcPts val="0"/>
+              </a:spcBef>
+              <a:spcAft>
+                <a:spcPts val="0"/>
+              </a:spcAft>
+              <a:buClrTx/>
+              <a:buSzTx/>
+              <a:buFontTx/>
+              <a:buNone/>
+              <a:tabLst/>
+              <a:defRPr/>
+            </a:pPr>
+            <a:endParaRPr kumimoji="0" lang="en-US" sz="1800" b="0" i="0" u="none" strike="noStrike" kern="1200" cap="none" spc="0" normalizeH="0" baseline="0" noProof="0">
+              <a:ln>
+                <a:noFill/>
+              </a:ln>
+              <a:solidFill>
+                <a:prstClr val="white"/>
+              </a:solidFill>
+              <a:effectLst/>
+              <a:uLnTx/>
+              <a:uFillTx/>
+              <a:latin typeface="Calibri" panose="020F0502020204030204"/>
+              <a:ea typeface="+mn-ea"/>
+              <a:cs typeface="+mn-cs"/>
+            </a:endParaRPr>
+          </a:p>
+        </p:txBody>
+      </p:sp>
+      <p:sp>
+        <p:nvSpPr>
+          <p:cNvPr id="2" name="Title 1">
+            <a:extLst>
+              <a:ext uri="{FF2B5EF4-FFF2-40B4-BE49-F238E27FC236}">
+                <a16:creationId xmlns:a16="http://schemas.microsoft.com/office/drawing/2014/main" id="{7523CF74-09B7-84B3-F859-D7073DC1C80F}"/>
+              </a:ext>
+            </a:extLst>
+          </p:cNvPr>
+          <p:cNvSpPr>
+            <a:spLocks noGrp="1"/>
+          </p:cNvSpPr>
+          <p:nvPr>
+            <p:ph type="title"/>
+          </p:nvPr>
+        </p:nvSpPr>
+        <p:spPr>
+          <a:xfrm>
+            <a:off x="2103121" y="310343"/>
+            <a:ext cx="7985759" cy="868823"/>
+          </a:xfrm>
+        </p:spPr>
+        <p:txBody>
+          <a:bodyPr vert="horz" lIns="91440" tIns="45720" rIns="91440" bIns="45720" rtlCol="0" anchor="ctr">
+            <a:normAutofit/>
+          </a:bodyPr>
+          <a:lstStyle/>
+          <a:p>
+            <a:pPr algn="ctr"/>
+            <a:r>
+              <a:rPr lang="en-US" sz="4000" kern="1200">
+                <a:solidFill>
+                  <a:schemeClr val="tx1"/>
+                </a:solidFill>
+                <a:latin typeface="+mj-lt"/>
+                <a:ea typeface="+mj-ea"/>
+                <a:cs typeface="+mj-cs"/>
+              </a:rPr>
+              <a:t>Planning</a:t>
+            </a:r>
+          </a:p>
+        </p:txBody>
+      </p:sp>
+      <p:sp>
+        <p:nvSpPr>
+          <p:cNvPr id="32" name="Rectangle: Rounded Corners 31">
+            <a:extLst>
+              <a:ext uri="{FF2B5EF4-FFF2-40B4-BE49-F238E27FC236}">
+                <a16:creationId xmlns:a16="http://schemas.microsoft.com/office/drawing/2014/main" id="{586B4EF9-43BA-4655-A6FF-1D8E21574C95}"/>
+              </a:ext>
+              <a:ext uri="{C183D7F6-B498-43B3-948B-1728B52AA6E4}">
+                <adec:decorative xmlns:adec="http://schemas.microsoft.com/office/drawing/2017/decorative" val="1"/>
+              </a:ext>
+            </a:extLst>
+          </p:cNvPr>
+          <p:cNvSpPr>
+            <a:spLocks noGrp="1" noRot="1" noChangeAspect="1" noMove="1" noResize="1" noEditPoints="1" noAdjustHandles="1" noChangeArrowheads="1" noChangeShapeType="1" noTextEdit="1"/>
+          </p:cNvSpPr>
+          <p:nvPr>
+            <p:extLst>
+              <p:ext uri="{386F3935-93C4-4BCD-93E2-E3B085C9AB24}">
+                <p16:designElem xmlns:p16="http://schemas.microsoft.com/office/powerpoint/2015/main" val="1"/>
+              </p:ext>
+            </p:extLst>
+          </p:nvPr>
+        </p:nvSpPr>
+        <p:spPr>
+          <a:xfrm>
+            <a:off x="2483110" y="1211407"/>
+            <a:ext cx="7225780" cy="685800"/>
+          </a:xfrm>
+          <a:prstGeom prst="roundRect">
+            <a:avLst>
+              <a:gd name="adj" fmla="val 0"/>
+            </a:avLst>
+          </a:prstGeom>
+          <a:solidFill>
+            <a:schemeClr val="accent2"/>
+          </a:solidFill>
+          <a:ln>
+            <a:noFill/>
+          </a:ln>
+        </p:spPr>
+        <p:style>
+          <a:lnRef idx="2">
+            <a:schemeClr val="accent1">
+              <a:shade val="50000"/>
+            </a:schemeClr>
+          </a:lnRef>
+          <a:fillRef idx="1">
+            <a:schemeClr val="accent1"/>
+          </a:fillRef>
+          <a:effectRef idx="0">
+            <a:schemeClr val="accent1"/>
+          </a:effectRef>
+          <a:fontRef idx="minor">
+            <a:schemeClr val="lt1"/>
+          </a:fontRef>
+        </p:style>
+        <p:txBody>
+          <a:bodyPr rtlCol="0" anchor="ctr"/>
+          <a:lstStyle/>
+          <a:p>
+            <a:pPr algn="ctr"/>
+            <a:endParaRPr lang="en-US">
+              <a:solidFill>
+                <a:prstClr val="white"/>
+              </a:solidFill>
+              <a:latin typeface="Calibri" panose="020F0502020204030204"/>
+            </a:endParaRPr>
+          </a:p>
+        </p:txBody>
+      </p:sp>
+      <p:sp>
+        <p:nvSpPr>
+          <p:cNvPr id="3" name="Text Placeholder 2">
+            <a:extLst>
+              <a:ext uri="{FF2B5EF4-FFF2-40B4-BE49-F238E27FC236}">
+                <a16:creationId xmlns:a16="http://schemas.microsoft.com/office/drawing/2014/main" id="{C605E30C-3490-D1E3-740D-40AD5E393958}"/>
+              </a:ext>
+            </a:extLst>
+          </p:cNvPr>
+          <p:cNvSpPr>
+            <a:spLocks noGrp="1"/>
+          </p:cNvSpPr>
+          <p:nvPr>
+            <p:ph type="body" idx="1"/>
+          </p:nvPr>
+        </p:nvSpPr>
+        <p:spPr>
+          <a:xfrm>
+            <a:off x="2615738" y="1263807"/>
+            <a:ext cx="6960524" cy="598516"/>
+          </a:xfrm>
+        </p:spPr>
+        <p:txBody>
+          <a:bodyPr vert="horz" lIns="91440" tIns="45720" rIns="91440" bIns="45720" rtlCol="0" anchor="ctr">
+            <a:normAutofit/>
+          </a:bodyPr>
+          <a:lstStyle/>
+          <a:p>
+            <a:pPr algn="ctr"/>
+            <a:r>
+              <a:rPr lang="en-US" sz="2000" kern="1200">
+                <a:solidFill>
+                  <a:schemeClr val="bg1"/>
+                </a:solidFill>
+                <a:latin typeface="+mn-lt"/>
+                <a:ea typeface="+mn-ea"/>
+                <a:cs typeface="+mn-cs"/>
+              </a:rPr>
+              <a:t>Gant chart</a:t>
+            </a:r>
+          </a:p>
+        </p:txBody>
+      </p:sp>
+      <p:pic>
+        <p:nvPicPr>
+          <p:cNvPr id="5" name="Picture 4">
+            <a:extLst>
+              <a:ext uri="{FF2B5EF4-FFF2-40B4-BE49-F238E27FC236}">
+                <a16:creationId xmlns:a16="http://schemas.microsoft.com/office/drawing/2014/main" id="{30D9BB01-16EE-371C-49E8-833A93D92451}"/>
+              </a:ext>
+            </a:extLst>
+          </p:cNvPr>
+          <p:cNvPicPr>
+            <a:picLocks noChangeAspect="1"/>
+          </p:cNvPicPr>
+          <p:nvPr/>
+        </p:nvPicPr>
+        <p:blipFill>
+          <a:blip r:embed="rId2"/>
+          <a:srcRect r="3514"/>
+          <a:stretch>
+            <a:fillRect/>
+          </a:stretch>
+        </p:blipFill>
+        <p:spPr>
+          <a:xfrm>
+            <a:off x="0" y="2219602"/>
+            <a:ext cx="12191999" cy="4608716"/>
+          </a:xfrm>
+          <a:prstGeom prst="rect">
+            <a:avLst/>
+          </a:prstGeom>
+          <a:ln w="28575">
+            <a:solidFill>
+              <a:schemeClr val="accent2"/>
+            </a:solidFill>
+          </a:ln>
+        </p:spPr>
+      </p:pic>
+    </p:spTree>
+    <p:extLst>
+      <p:ext uri="{BB962C8B-B14F-4D97-AF65-F5344CB8AC3E}">
+        <p14:creationId xmlns:p14="http://schemas.microsoft.com/office/powerpoint/2010/main" val="3713997872"/>
+      </p:ext>
+    </p:extLst>
+  </p:cSld>
+  <p:clrMapOvr>
+    <a:masterClrMapping/>
+  </p:clrMapOvr>
+</p:sld>
+</file>
+
+<file path=ppt/slides/slide12.xml><?xml version="1.0" encoding="utf-8"?>
+<p:sld xmlns:a="http://schemas.openxmlformats.org/drawingml/2006/main" xmlns:r="http://schemas.openxmlformats.org/officeDocument/2006/relationships" xmlns:p="http://schemas.openxmlformats.org/presentationml/2006/main">
+  <p:cSld>
+    <p:bg>
+      <p:bgPr>
+        <a:solidFill>
+          <a:schemeClr val="bg1"/>
+        </a:solidFill>
+        <a:effectLst/>
+      </p:bgPr>
+    </p:bg>
+    <p:spTree>
+      <p:nvGrpSpPr>
+        <p:cNvPr id="1" name=""/>
+        <p:cNvGrpSpPr/>
+        <p:nvPr/>
+      </p:nvGrpSpPr>
+      <p:grpSpPr>
+        <a:xfrm>
+          <a:off x="0" y="0"/>
+          <a:ext cx="0" cy="0"/>
+          <a:chOff x="0" y="0"/>
+          <a:chExt cx="0" cy="0"/>
+        </a:xfrm>
+      </p:grpSpPr>
+      <p:sp useBgFill="1">
+        <p:nvSpPr>
+          <p:cNvPr id="7" name="Rectangle 6">
+            <a:extLst>
+              <a:ext uri="{FF2B5EF4-FFF2-40B4-BE49-F238E27FC236}">
+                <a16:creationId xmlns:a16="http://schemas.microsoft.com/office/drawing/2014/main" id="{9C7E0A2C-7C0A-4AAC-B3B0-6C12B2EBAE05}"/>
+              </a:ext>
+              <a:ext uri="{C183D7F6-B498-43B3-948B-1728B52AA6E4}">
+                <adec:decorative xmlns:adec="http://schemas.microsoft.com/office/drawing/2017/decorative" val="1"/>
+              </a:ext>
+            </a:extLst>
+          </p:cNvPr>
+          <p:cNvSpPr>
+            <a:spLocks noGrp="1" noRot="1" noChangeAspect="1" noMove="1" noResize="1" noEditPoints="1" noAdjustHandles="1" noChangeArrowheads="1" noChangeShapeType="1" noTextEdit="1"/>
+          </p:cNvSpPr>
+          <p:nvPr>
+            <p:extLst>
+              <p:ext uri="{386F3935-93C4-4BCD-93E2-E3B085C9AB24}">
+                <p16:designElem xmlns:p16="http://schemas.microsoft.com/office/powerpoint/2015/main" val="1"/>
+              </p:ext>
+            </p:extLst>
+          </p:nvPr>
+        </p:nvSpPr>
+        <p:spPr>
+          <a:xfrm>
+            <a:off x="0" y="0"/>
+            <a:ext cx="12191999" cy="6857365"/>
+          </a:xfrm>
+          <a:prstGeom prst="rect">
+            <a:avLst/>
+          </a:prstGeom>
+          <a:ln>
+            <a:noFill/>
+          </a:ln>
+        </p:spPr>
+        <p:style>
+          <a:lnRef idx="2">
+            <a:schemeClr val="accent1">
+              <a:shade val="50000"/>
+            </a:schemeClr>
+          </a:lnRef>
+          <a:fillRef idx="1">
+            <a:schemeClr val="accent1"/>
+          </a:fillRef>
+          <a:effectRef idx="0">
+            <a:schemeClr val="accent1"/>
+          </a:effectRef>
+          <a:fontRef idx="minor">
+            <a:schemeClr val="lt1"/>
+          </a:fontRef>
+        </p:style>
+        <p:txBody>
+          <a:bodyPr rtlCol="0" anchor="ctr"/>
+          <a:lstStyle/>
+          <a:p>
+            <a:pPr algn="ctr"/>
+            <a:endParaRPr lang="en-US"/>
+          </a:p>
+        </p:txBody>
+      </p:sp>
+      <p:sp>
+        <p:nvSpPr>
+          <p:cNvPr id="9" name="Rectangle 8">
+            <a:extLst>
+              <a:ext uri="{FF2B5EF4-FFF2-40B4-BE49-F238E27FC236}">
+                <a16:creationId xmlns:a16="http://schemas.microsoft.com/office/drawing/2014/main" id="{5EB7D2A2-F448-44D4-938C-DC84CBCB3B1E}"/>
+              </a:ext>
+              <a:ext uri="{C183D7F6-B498-43B3-948B-1728B52AA6E4}">
+                <adec:decorative xmlns:adec="http://schemas.microsoft.com/office/drawing/2017/decorative" val="1"/>
+              </a:ext>
+            </a:extLst>
+          </p:cNvPr>
+          <p:cNvSpPr>
+            <a:spLocks noGrp="1" noRot="1" noChangeAspect="1" noMove="1" noResize="1" noEditPoints="1" noAdjustHandles="1" noChangeArrowheads="1" noChangeShapeType="1" noTextEdit="1"/>
+          </p:cNvSpPr>
+          <p:nvPr>
+            <p:extLst>
+              <p:ext uri="{386F3935-93C4-4BCD-93E2-E3B085C9AB24}">
+                <p16:designElem xmlns:p16="http://schemas.microsoft.com/office/powerpoint/2015/main" val="1"/>
+              </p:ext>
+            </p:extLst>
+          </p:nvPr>
+        </p:nvSpPr>
+        <p:spPr>
+          <a:xfrm>
+            <a:off x="0" y="1"/>
+            <a:ext cx="12192000" cy="5187142"/>
+          </a:xfrm>
+          <a:prstGeom prst="rect">
+            <a:avLst/>
+          </a:prstGeom>
+          <a:solidFill>
+            <a:schemeClr val="accent4"/>
+          </a:solidFill>
+          <a:ln>
+            <a:noFill/>
+          </a:ln>
+        </p:spPr>
+        <p:style>
+          <a:lnRef idx="2">
+            <a:schemeClr val="accent1">
+              <a:shade val="50000"/>
+            </a:schemeClr>
+          </a:lnRef>
+          <a:fillRef idx="1">
+            <a:schemeClr val="accent1"/>
+          </a:fillRef>
+          <a:effectRef idx="0">
+            <a:schemeClr val="accent1"/>
+          </a:effectRef>
+          <a:fontRef idx="minor">
+            <a:schemeClr val="lt1"/>
+          </a:fontRef>
+        </p:style>
+        <p:txBody>
+          <a:bodyPr rtlCol="0" anchor="ctr"/>
+          <a:lstStyle/>
+          <a:p>
+            <a:pPr algn="ctr"/>
+            <a:endParaRPr lang="en-US" dirty="0"/>
+          </a:p>
+        </p:txBody>
+      </p:sp>
+      <p:sp>
+        <p:nvSpPr>
+          <p:cNvPr id="11" name="Rectangle 10">
+            <a:extLst>
+              <a:ext uri="{FF2B5EF4-FFF2-40B4-BE49-F238E27FC236}">
+                <a16:creationId xmlns:a16="http://schemas.microsoft.com/office/drawing/2014/main" id="{871AEA07-1E14-44B4-8E55-64EF049CD66F}"/>
+              </a:ext>
+              <a:ext uri="{C183D7F6-B498-43B3-948B-1728B52AA6E4}">
+                <adec:decorative xmlns:adec="http://schemas.microsoft.com/office/drawing/2017/decorative" val="1"/>
+              </a:ext>
+            </a:extLst>
+          </p:cNvPr>
+          <p:cNvSpPr>
+            <a:spLocks noGrp="1" noRot="1" noChangeAspect="1" noMove="1" noResize="1" noEditPoints="1" noAdjustHandles="1" noChangeArrowheads="1" noChangeShapeType="1" noTextEdit="1"/>
+          </p:cNvSpPr>
+          <p:nvPr>
+            <p:extLst>
+              <p:ext uri="{386F3935-93C4-4BCD-93E2-E3B085C9AB24}">
+                <p16:designElem xmlns:p16="http://schemas.microsoft.com/office/powerpoint/2015/main" val="1"/>
+              </p:ext>
+            </p:extLst>
+          </p:nvPr>
+        </p:nvSpPr>
+        <p:spPr>
+          <a:xfrm>
+            <a:off x="596464" y="551961"/>
+            <a:ext cx="10999072" cy="5399950"/>
+          </a:xfrm>
+          <a:prstGeom prst="rect">
+            <a:avLst/>
+          </a:prstGeom>
+          <a:solidFill>
+            <a:schemeClr val="bg1"/>
+          </a:solidFill>
+          <a:ln>
+            <a:noFill/>
+          </a:ln>
+          <a:effectLst>
+            <a:outerShdw blurRad="139700" dist="127000" dir="5400000" algn="t" rotWithShape="0">
+              <a:prstClr val="black">
+                <a:alpha val="15000"/>
+              </a:prstClr>
+            </a:outerShdw>
+          </a:effectLst>
+        </p:spPr>
+        <p:style>
+          <a:lnRef idx="2">
+            <a:schemeClr val="accent1">
+              <a:shade val="50000"/>
+            </a:schemeClr>
+          </a:lnRef>
+          <a:fillRef idx="1">
+            <a:schemeClr val="accent1"/>
+          </a:fillRef>
+          <a:effectRef idx="0">
+            <a:schemeClr val="accent1"/>
+          </a:effectRef>
+          <a:fontRef idx="minor">
+            <a:schemeClr val="lt1"/>
+          </a:fontRef>
+        </p:style>
+        <p:txBody>
+          <a:bodyPr rtlCol="0" anchor="ctr"/>
+          <a:lstStyle/>
+          <a:p>
+            <a:pPr algn="ctr"/>
+            <a:endParaRPr lang="en-US"/>
+          </a:p>
+        </p:txBody>
+      </p:sp>
+      <p:sp>
+        <p:nvSpPr>
+          <p:cNvPr id="2" name="Title 1">
+            <a:extLst>
+              <a:ext uri="{FF2B5EF4-FFF2-40B4-BE49-F238E27FC236}">
+                <a16:creationId xmlns:a16="http://schemas.microsoft.com/office/drawing/2014/main" id="{9C9AD6B9-1CEE-7976-0BB7-22F5E9535735}"/>
+              </a:ext>
+            </a:extLst>
+          </p:cNvPr>
+          <p:cNvSpPr>
+            <a:spLocks noGrp="1"/>
+          </p:cNvSpPr>
+          <p:nvPr>
+            <p:ph type="title"/>
+          </p:nvPr>
+        </p:nvSpPr>
+        <p:spPr>
+          <a:xfrm>
+            <a:off x="1523999" y="1180494"/>
+            <a:ext cx="9144000" cy="2387600"/>
+          </a:xfrm>
+        </p:spPr>
+        <p:txBody>
+          <a:bodyPr vert="horz" lIns="91440" tIns="45720" rIns="91440" bIns="45720" rtlCol="0" anchor="b">
+            <a:normAutofit/>
+          </a:bodyPr>
+          <a:lstStyle/>
+          <a:p>
+            <a:pPr algn="ctr"/>
+            <a:r>
+              <a:rPr lang="en-US" sz="3500" kern="1200" dirty="0">
+                <a:solidFill>
+                  <a:schemeClr val="tx1"/>
+                </a:solidFill>
+                <a:latin typeface="+mj-lt"/>
+                <a:ea typeface="+mj-ea"/>
+                <a:cs typeface="+mj-cs"/>
+              </a:rPr>
+              <a:t>Website: </a:t>
+            </a:r>
+            <a:r>
+              <a:rPr lang="en-US" sz="3500" kern="1200" dirty="0">
+                <a:solidFill>
+                  <a:srgbClr val="0070C0"/>
+                </a:solidFill>
+                <a:latin typeface="+mj-lt"/>
+                <a:ea typeface="+mj-ea"/>
+                <a:cs typeface="+mj-cs"/>
+                <a:hlinkClick r:id="rId2">
+                  <a:extLst>
+                    <a:ext uri="{A12FA001-AC4F-418D-AE19-62706E023703}">
+                      <ahyp:hlinkClr xmlns:ahyp="http://schemas.microsoft.com/office/drawing/2018/hyperlinkcolor" val="tx"/>
+                    </a:ext>
+                  </a:extLst>
+                </a:hlinkClick>
+              </a:rPr>
+              <a:t>https://jjdeuce06.github.io/VulcanActivityTracker/</a:t>
+            </a:r>
+            <a:endParaRPr lang="en-US" sz="3500" kern="1200" dirty="0">
+              <a:solidFill>
+                <a:srgbClr val="0070C0"/>
+              </a:solidFill>
+              <a:latin typeface="+mj-lt"/>
+              <a:ea typeface="+mj-ea"/>
+              <a:cs typeface="+mj-cs"/>
+            </a:endParaRPr>
+          </a:p>
+        </p:txBody>
+      </p:sp>
+      <p:cxnSp>
+        <p:nvCxnSpPr>
+          <p:cNvPr id="13" name="Straight Connector 12">
+            <a:extLst>
+              <a:ext uri="{FF2B5EF4-FFF2-40B4-BE49-F238E27FC236}">
+                <a16:creationId xmlns:a16="http://schemas.microsoft.com/office/drawing/2014/main" id="{F7C8EA93-3210-4C62-99E9-153C275E3A87}"/>
+              </a:ext>
+              <a:ext uri="{C183D7F6-B498-43B3-948B-1728B52AA6E4}">
+                <adec:decorative xmlns:adec="http://schemas.microsoft.com/office/drawing/2017/decorative" val="1"/>
+              </a:ext>
+            </a:extLst>
+          </p:cNvPr>
+          <p:cNvCxnSpPr>
+            <a:cxnSpLocks noGrp="1" noRot="1" noChangeAspect="1" noMove="1" noResize="1" noEditPoints="1" noAdjustHandles="1" noChangeArrowheads="1" noChangeShapeType="1"/>
+          </p:cNvCxnSpPr>
+          <p:nvPr>
+            <p:extLst>
+              <p:ext uri="{386F3935-93C4-4BCD-93E2-E3B085C9AB24}">
+                <p16:designElem xmlns:p16="http://schemas.microsoft.com/office/powerpoint/2015/main" val="1"/>
+              </p:ext>
+            </p:extLst>
+          </p:nvPr>
+        </p:nvCxnSpPr>
+        <p:spPr>
+          <a:xfrm flipH="1">
+            <a:off x="596464" y="6329769"/>
+            <a:ext cx="11000232" cy="0"/>
+          </a:xfrm>
+          <a:prstGeom prst="line">
+            <a:avLst/>
+          </a:prstGeom>
+          <a:ln w="152400">
+            <a:solidFill>
+              <a:schemeClr val="accent4"/>
+            </a:solidFill>
+          </a:ln>
+        </p:spPr>
+        <p:style>
+          <a:lnRef idx="1">
+            <a:schemeClr val="accent1"/>
+          </a:lnRef>
+          <a:fillRef idx="0">
+            <a:schemeClr val="accent1"/>
+          </a:fillRef>
+          <a:effectRef idx="0">
+            <a:schemeClr val="accent1"/>
+          </a:effectRef>
+          <a:fontRef idx="minor">
+            <a:schemeClr val="tx1"/>
+          </a:fontRef>
+        </p:style>
+      </p:cxnSp>
+    </p:spTree>
+    <p:extLst>
+      <p:ext uri="{BB962C8B-B14F-4D97-AF65-F5344CB8AC3E}">
+        <p14:creationId xmlns:p14="http://schemas.microsoft.com/office/powerpoint/2010/main" val="3921983173"/>
+      </p:ext>
+    </p:extLst>
+  </p:cSld>
+  <p:clrMapOvr>
+    <a:masterClrMapping/>
+  </p:clrMapOvr>
+</p:sld>
+</file>
+
 <file path=ppt/slides/slide2.xml><?xml version="1.0" encoding="utf-8"?>
 <p:sld xmlns:a="http://schemas.openxmlformats.org/drawingml/2006/main" xmlns:r="http://schemas.openxmlformats.org/officeDocument/2006/relationships" xmlns:p="http://schemas.openxmlformats.org/presentationml/2006/main">
   <p:cSld>
@@ -10514,8 +11933,8 @@
         </p:nvSpPr>
         <p:spPr>
           <a:xfrm>
-            <a:off x="1903615" y="3373830"/>
-            <a:ext cx="8101135" cy="3079164"/>
+            <a:off x="1903615" y="2544041"/>
+            <a:ext cx="8101135" cy="3422064"/>
           </a:xfrm>
           <a:prstGeom prst="rect">
             <a:avLst/>
@@ -10523,7 +11942,7 @@
         </p:spPr>
         <p:txBody>
           <a:bodyPr vert="horz" lIns="91440" tIns="45720" rIns="91440" bIns="45720" rtlCol="0">
-            <a:normAutofit/>
+            <a:normAutofit lnSpcReduction="10000"/>
           </a:bodyPr>
           <a:lstStyle>
             <a:lvl1pPr marL="0" indent="0" algn="l" defTabSz="914400" rtl="0" eaLnBrk="1" latinLnBrk="0" hangingPunct="1">
@@ -10778,6 +12197,55 @@
             </a:r>
           </a:p>
           <a:p>
+            <a:pPr marL="342900" indent="-342900">
+              <a:buFont typeface="Arial" panose="020B0604020202020204" pitchFamily="34" charset="0"/>
+              <a:buChar char="•"/>
+            </a:pPr>
+            <a:r>
+              <a:rPr lang="en-US" dirty="0">
+                <a:solidFill>
+                  <a:schemeClr val="tx1"/>
+                </a:solidFill>
+              </a:rPr>
+              <a:t>Display Clubs on Dashboard</a:t>
+            </a:r>
+          </a:p>
+          <a:p>
+            <a:pPr marL="342900" indent="-342900">
+              <a:buFont typeface="Arial" panose="020B0604020202020204" pitchFamily="34" charset="0"/>
+              <a:buChar char="•"/>
+            </a:pPr>
+            <a:r>
+              <a:rPr lang="en-US" dirty="0">
+                <a:solidFill>
+                  <a:schemeClr val="tx1"/>
+                </a:solidFill>
+              </a:rPr>
+              <a:t>Fix Storing Private Activity </a:t>
+            </a:r>
+          </a:p>
+          <a:p>
+            <a:pPr marL="342900" indent="-342900">
+              <a:buFont typeface="Arial" panose="020B0604020202020204" pitchFamily="34" charset="0"/>
+              <a:buChar char="•"/>
+            </a:pPr>
+            <a:r>
+              <a:rPr lang="en-US" dirty="0">
+                <a:solidFill>
+                  <a:schemeClr val="tx1"/>
+                </a:solidFill>
+              </a:rPr>
+              <a:t>Limit viewing activities on dashboard: User and Friend</a:t>
+            </a:r>
+          </a:p>
+          <a:p>
+            <a:endParaRPr lang="en-US" dirty="0">
+              <a:solidFill>
+                <a:schemeClr val="tx1"/>
+              </a:solidFill>
+            </a:endParaRPr>
+          </a:p>
+          <a:p>
             <a:endParaRPr lang="en-US" dirty="0"/>
           </a:p>
         </p:txBody>
@@ -11103,11 +12571,56 @@
               <a:buFont typeface="+mj-lt"/>
               <a:buAutoNum type="arabicPeriod"/>
             </a:pPr>
-            <a:endParaRPr lang="en-US" sz="2000" dirty="0">
-              <a:solidFill>
-                <a:schemeClr val="tx1"/>
-              </a:solidFill>
-            </a:endParaRPr>
+            <a:r>
+              <a:rPr lang="en-US" sz="2000" dirty="0">
+                <a:solidFill>
+                  <a:schemeClr val="tx1"/>
+                </a:solidFill>
+              </a:rPr>
+              <a:t>All activities stored as public, not registering private</a:t>
+            </a:r>
+          </a:p>
+          <a:p>
+            <a:pPr marL="342900" indent="-342900">
+              <a:buFont typeface="+mj-lt"/>
+              <a:buAutoNum type="arabicPeriod"/>
+            </a:pPr>
+            <a:r>
+              <a:rPr lang="en-US" sz="2000" dirty="0">
+                <a:solidFill>
+                  <a:schemeClr val="tx1"/>
+                </a:solidFill>
+              </a:rPr>
+              <a:t>Profile Like and Activity Like crossover</a:t>
+            </a:r>
+          </a:p>
+          <a:p>
+            <a:pPr marL="342900" indent="-342900">
+              <a:buFont typeface="+mj-lt"/>
+              <a:buAutoNum type="arabicPeriod"/>
+            </a:pPr>
+            <a:r>
+              <a:rPr lang="en-US" sz="2000" dirty="0">
+                <a:solidFill>
+                  <a:schemeClr val="tx1"/>
+                </a:solidFill>
+              </a:rPr>
+              <a:t>Email password recovery </a:t>
+            </a:r>
+          </a:p>
+          <a:p>
+            <a:pPr marL="342900" indent="-342900">
+              <a:buFont typeface="+mj-lt"/>
+              <a:buAutoNum type="arabicPeriod"/>
+            </a:pPr>
+            <a:r>
+              <a:rPr lang="en-US" sz="2000" dirty="0">
+                <a:solidFill>
+                  <a:schemeClr val="tx1"/>
+                </a:solidFill>
+              </a:rPr>
+              <a:t>Viewing Activities list too long</a:t>
+            </a:r>
           </a:p>
         </p:txBody>
       </p:sp>
@@ -11431,6 +12944,280 @@
           </a:p>
         </p:txBody>
       </p:sp>
+      <p:sp>
+        <p:nvSpPr>
+          <p:cNvPr id="2" name="Text Placeholder 2">
+            <a:extLst>
+              <a:ext uri="{FF2B5EF4-FFF2-40B4-BE49-F238E27FC236}">
+                <a16:creationId xmlns:a16="http://schemas.microsoft.com/office/drawing/2014/main" id="{FB4EC798-8386-CB36-1C33-949CA6568550}"/>
+              </a:ext>
+            </a:extLst>
+          </p:cNvPr>
+          <p:cNvSpPr txBox="1">
+            <a:spLocks/>
+          </p:cNvSpPr>
+          <p:nvPr/>
+        </p:nvSpPr>
+        <p:spPr>
+          <a:xfrm>
+            <a:off x="5987006" y="2314461"/>
+            <a:ext cx="5170705" cy="3377638"/>
+          </a:xfrm>
+          <a:prstGeom prst="rect">
+            <a:avLst/>
+          </a:prstGeom>
+        </p:spPr>
+        <p:txBody>
+          <a:bodyPr vert="horz" lIns="91440" tIns="45720" rIns="91440" bIns="45720" rtlCol="0">
+            <a:normAutofit/>
+          </a:bodyPr>
+          <a:lstStyle>
+            <a:lvl1pPr marL="0" indent="0" algn="l" defTabSz="914400" rtl="0" eaLnBrk="1" latinLnBrk="0" hangingPunct="1">
+              <a:lnSpc>
+                <a:spcPct val="90000"/>
+              </a:lnSpc>
+              <a:spcBef>
+                <a:spcPts val="1000"/>
+              </a:spcBef>
+              <a:buFont typeface="Arial" panose="020B0604020202020204" pitchFamily="34" charset="0"/>
+              <a:buNone/>
+              <a:defRPr sz="2400" kern="1200">
+                <a:solidFill>
+                  <a:schemeClr val="tx1">
+                    <a:tint val="82000"/>
+                  </a:schemeClr>
+                </a:solidFill>
+                <a:latin typeface="+mn-lt"/>
+                <a:ea typeface="+mn-ea"/>
+                <a:cs typeface="+mn-cs"/>
+              </a:defRPr>
+            </a:lvl1pPr>
+            <a:lvl2pPr marL="457200" indent="0" algn="l" defTabSz="914400" rtl="0" eaLnBrk="1" latinLnBrk="0" hangingPunct="1">
+              <a:lnSpc>
+                <a:spcPct val="90000"/>
+              </a:lnSpc>
+              <a:spcBef>
+                <a:spcPts val="500"/>
+              </a:spcBef>
+              <a:buFont typeface="Arial" panose="020B0604020202020204" pitchFamily="34" charset="0"/>
+              <a:buNone/>
+              <a:defRPr sz="2000" kern="1200">
+                <a:solidFill>
+                  <a:schemeClr val="tx1">
+                    <a:tint val="82000"/>
+                  </a:schemeClr>
+                </a:solidFill>
+                <a:latin typeface="+mn-lt"/>
+                <a:ea typeface="+mn-ea"/>
+                <a:cs typeface="+mn-cs"/>
+              </a:defRPr>
+            </a:lvl2pPr>
+            <a:lvl3pPr marL="914400" indent="0" algn="l" defTabSz="914400" rtl="0" eaLnBrk="1" latinLnBrk="0" hangingPunct="1">
+              <a:lnSpc>
+                <a:spcPct val="90000"/>
+              </a:lnSpc>
+              <a:spcBef>
+                <a:spcPts val="500"/>
+              </a:spcBef>
+              <a:buFont typeface="Arial" panose="020B0604020202020204" pitchFamily="34" charset="0"/>
+              <a:buNone/>
+              <a:defRPr sz="1800" kern="1200">
+                <a:solidFill>
+                  <a:schemeClr val="tx1">
+                    <a:tint val="82000"/>
+                  </a:schemeClr>
+                </a:solidFill>
+                <a:latin typeface="+mn-lt"/>
+                <a:ea typeface="+mn-ea"/>
+                <a:cs typeface="+mn-cs"/>
+              </a:defRPr>
+            </a:lvl3pPr>
+            <a:lvl4pPr marL="1371600" indent="0" algn="l" defTabSz="914400" rtl="0" eaLnBrk="1" latinLnBrk="0" hangingPunct="1">
+              <a:lnSpc>
+                <a:spcPct val="90000"/>
+              </a:lnSpc>
+              <a:spcBef>
+                <a:spcPts val="500"/>
+              </a:spcBef>
+              <a:buFont typeface="Arial" panose="020B0604020202020204" pitchFamily="34" charset="0"/>
+              <a:buNone/>
+              <a:defRPr sz="1600" kern="1200">
+                <a:solidFill>
+                  <a:schemeClr val="tx1">
+                    <a:tint val="82000"/>
+                  </a:schemeClr>
+                </a:solidFill>
+                <a:latin typeface="+mn-lt"/>
+                <a:ea typeface="+mn-ea"/>
+                <a:cs typeface="+mn-cs"/>
+              </a:defRPr>
+            </a:lvl4pPr>
+            <a:lvl5pPr marL="1828800" indent="0" algn="l" defTabSz="914400" rtl="0" eaLnBrk="1" latinLnBrk="0" hangingPunct="1">
+              <a:lnSpc>
+                <a:spcPct val="90000"/>
+              </a:lnSpc>
+              <a:spcBef>
+                <a:spcPts val="500"/>
+              </a:spcBef>
+              <a:buFont typeface="Arial" panose="020B0604020202020204" pitchFamily="34" charset="0"/>
+              <a:buNone/>
+              <a:defRPr sz="1600" kern="1200">
+                <a:solidFill>
+                  <a:schemeClr val="tx1">
+                    <a:tint val="82000"/>
+                  </a:schemeClr>
+                </a:solidFill>
+                <a:latin typeface="+mn-lt"/>
+                <a:ea typeface="+mn-ea"/>
+                <a:cs typeface="+mn-cs"/>
+              </a:defRPr>
+            </a:lvl5pPr>
+            <a:lvl6pPr marL="2286000" indent="0" algn="l" defTabSz="914400" rtl="0" eaLnBrk="1" latinLnBrk="0" hangingPunct="1">
+              <a:lnSpc>
+                <a:spcPct val="90000"/>
+              </a:lnSpc>
+              <a:spcBef>
+                <a:spcPts val="500"/>
+              </a:spcBef>
+              <a:buFont typeface="Arial" panose="020B0604020202020204" pitchFamily="34" charset="0"/>
+              <a:buNone/>
+              <a:defRPr sz="1600" kern="1200">
+                <a:solidFill>
+                  <a:schemeClr val="tx1">
+                    <a:tint val="82000"/>
+                  </a:schemeClr>
+                </a:solidFill>
+                <a:latin typeface="+mn-lt"/>
+                <a:ea typeface="+mn-ea"/>
+                <a:cs typeface="+mn-cs"/>
+              </a:defRPr>
+            </a:lvl6pPr>
+            <a:lvl7pPr marL="2743200" indent="0" algn="l" defTabSz="914400" rtl="0" eaLnBrk="1" latinLnBrk="0" hangingPunct="1">
+              <a:lnSpc>
+                <a:spcPct val="90000"/>
+              </a:lnSpc>
+              <a:spcBef>
+                <a:spcPts val="500"/>
+              </a:spcBef>
+              <a:buFont typeface="Arial" panose="020B0604020202020204" pitchFamily="34" charset="0"/>
+              <a:buNone/>
+              <a:defRPr sz="1600" kern="1200">
+                <a:solidFill>
+                  <a:schemeClr val="tx1">
+                    <a:tint val="82000"/>
+                  </a:schemeClr>
+                </a:solidFill>
+                <a:latin typeface="+mn-lt"/>
+                <a:ea typeface="+mn-ea"/>
+                <a:cs typeface="+mn-cs"/>
+              </a:defRPr>
+            </a:lvl7pPr>
+            <a:lvl8pPr marL="3200400" indent="0" algn="l" defTabSz="914400" rtl="0" eaLnBrk="1" latinLnBrk="0" hangingPunct="1">
+              <a:lnSpc>
+                <a:spcPct val="90000"/>
+              </a:lnSpc>
+              <a:spcBef>
+                <a:spcPts val="500"/>
+              </a:spcBef>
+              <a:buFont typeface="Arial" panose="020B0604020202020204" pitchFamily="34" charset="0"/>
+              <a:buNone/>
+              <a:defRPr sz="1600" kern="1200">
+                <a:solidFill>
+                  <a:schemeClr val="tx1">
+                    <a:tint val="82000"/>
+                  </a:schemeClr>
+                </a:solidFill>
+                <a:latin typeface="+mn-lt"/>
+                <a:ea typeface="+mn-ea"/>
+                <a:cs typeface="+mn-cs"/>
+              </a:defRPr>
+            </a:lvl8pPr>
+            <a:lvl9pPr marL="3657600" indent="0" algn="l" defTabSz="914400" rtl="0" eaLnBrk="1" latinLnBrk="0" hangingPunct="1">
+              <a:lnSpc>
+                <a:spcPct val="90000"/>
+              </a:lnSpc>
+              <a:spcBef>
+                <a:spcPts val="500"/>
+              </a:spcBef>
+              <a:buFont typeface="Arial" panose="020B0604020202020204" pitchFamily="34" charset="0"/>
+              <a:buNone/>
+              <a:defRPr sz="1600" kern="1200">
+                <a:solidFill>
+                  <a:schemeClr val="tx1">
+                    <a:tint val="82000"/>
+                  </a:schemeClr>
+                </a:solidFill>
+                <a:latin typeface="+mn-lt"/>
+                <a:ea typeface="+mn-ea"/>
+                <a:cs typeface="+mn-cs"/>
+              </a:defRPr>
+            </a:lvl9pPr>
+          </a:lstStyle>
+          <a:p>
+            <a:pPr marL="342900" indent="-342900">
+              <a:buFont typeface="+mj-lt"/>
+              <a:buAutoNum type="arabicPeriod"/>
+            </a:pPr>
+            <a:r>
+              <a:rPr lang="en-US" sz="2000" dirty="0">
+                <a:solidFill>
+                  <a:schemeClr val="tx1"/>
+                </a:solidFill>
+              </a:rPr>
+              <a:t>Radio buttons were not ever connected on frontend</a:t>
+            </a:r>
+          </a:p>
+          <a:p>
+            <a:pPr marL="342900" indent="-342900">
+              <a:buFont typeface="+mj-lt"/>
+              <a:buAutoNum type="arabicPeriod"/>
+            </a:pPr>
+            <a:r>
+              <a:rPr lang="en-US" sz="2000" dirty="0">
+                <a:solidFill>
+                  <a:schemeClr val="tx1"/>
+                </a:solidFill>
+              </a:rPr>
+              <a:t> New Database table for activity likes</a:t>
+            </a:r>
+          </a:p>
+          <a:p>
+            <a:pPr marL="342900" indent="-342900">
+              <a:buFont typeface="+mj-lt"/>
+              <a:buAutoNum type="arabicPeriod"/>
+            </a:pPr>
+            <a:r>
+              <a:rPr lang="en-US" sz="2000" dirty="0">
+                <a:solidFill>
+                  <a:schemeClr val="tx1"/>
+                </a:solidFill>
+              </a:rPr>
+              <a:t>Need more research</a:t>
+            </a:r>
+          </a:p>
+          <a:p>
+            <a:pPr marL="342900" indent="-342900">
+              <a:buFont typeface="+mj-lt"/>
+              <a:buAutoNum type="arabicPeriod"/>
+            </a:pPr>
+            <a:r>
+              <a:rPr lang="en-US" sz="2000" dirty="0">
+                <a:solidFill>
+                  <a:schemeClr val="tx1"/>
+                </a:solidFill>
+              </a:rPr>
+              <a:t>Limit Top 10 activities by sorting top newest dates entered</a:t>
+            </a:r>
+          </a:p>
+          <a:p>
+            <a:endParaRPr lang="en-US" sz="2000" dirty="0">
+              <a:solidFill>
+                <a:schemeClr val="tx1"/>
+              </a:solidFill>
+            </a:endParaRPr>
+          </a:p>
+        </p:txBody>
+      </p:sp>
     </p:spTree>
     <p:extLst>
       <p:ext uri="{BB962C8B-B14F-4D97-AF65-F5344CB8AC3E}">
@@ -11792,14 +13579,14 @@
         </p:nvSpPr>
         <p:spPr>
           <a:xfrm>
-            <a:off x="3822471" y="777555"/>
-            <a:ext cx="4541168" cy="987426"/>
+            <a:off x="4591536" y="777555"/>
+            <a:ext cx="3183892" cy="987426"/>
           </a:xfrm>
           <a:noFill/>
         </p:spPr>
         <p:txBody>
           <a:bodyPr vert="horz" lIns="91440" tIns="45720" rIns="91440" bIns="45720" rtlCol="0" anchor="t">
-            <a:normAutofit fontScale="90000"/>
+            <a:normAutofit/>
           </a:bodyPr>
           <a:lstStyle/>
           <a:p>
@@ -11812,7 +13599,7 @@
                 <a:ea typeface="+mj-ea"/>
                 <a:cs typeface="+mj-cs"/>
               </a:rPr>
-              <a:t>Video Progress </a:t>
+              <a:t> Progress </a:t>
             </a:r>
           </a:p>
         </p:txBody>
@@ -11843,13 +13630,7 @@
     </p:bg>
     <p:spTree>
       <p:nvGrpSpPr>
-        <p:cNvPr id="1" name="">
-          <a:extLst>
-            <a:ext uri="{FF2B5EF4-FFF2-40B4-BE49-F238E27FC236}">
-              <a16:creationId xmlns:a16="http://schemas.microsoft.com/office/drawing/2014/main" id="{38138CFD-A501-8AEC-C666-BED845111F6D}"/>
-            </a:ext>
-          </a:extLst>
-        </p:cNvPr>
+        <p:cNvPr id="1" name=""/>
         <p:cNvGrpSpPr/>
         <p:nvPr/>
       </p:nvGrpSpPr>
@@ -11863,10 +13644,10 @@
       </p:grpSpPr>
       <p:sp useBgFill="1">
         <p:nvSpPr>
-          <p:cNvPr id="21" name="Rectangle 20">
+          <p:cNvPr id="20" name="Rectangle 19">
             <a:extLst>
               <a:ext uri="{FF2B5EF4-FFF2-40B4-BE49-F238E27FC236}">
-                <a16:creationId xmlns:a16="http://schemas.microsoft.com/office/drawing/2014/main" id="{356F68EF-088F-20DD-B4B1-6BCF0A8C9BF2}"/>
+                <a16:creationId xmlns:a16="http://schemas.microsoft.com/office/drawing/2014/main" id="{2151139A-886F-4B97-8815-729AD3831BBD}"/>
               </a:ext>
               <a:ext uri="{C183D7F6-B498-43B3-948B-1728B52AA6E4}">
                 <adec:decorative xmlns:adec="http://schemas.microsoft.com/office/drawing/2017/decorative" val="1"/>
@@ -11887,11 +13668,100 @@
         <p:spPr>
           <a:xfrm>
             <a:off x="0" y="0"/>
-            <a:ext cx="12191999" cy="6857365"/>
+            <a:ext cx="12192000" cy="6858000"/>
           </a:xfrm>
           <a:prstGeom prst="rect">
             <a:avLst/>
           </a:prstGeom>
+          <a:ln w="12700" cap="flat" cmpd="sng" algn="ctr">
+            <a:noFill/>
+            <a:prstDash val="solid"/>
+            <a:miter lim="800000"/>
+          </a:ln>
+          <a:effectLst/>
+          <a:extLst>
+            <a:ext uri="{91240B29-F687-4F45-9708-019B960494DF}">
+              <a14:hiddenLine xmlns:a14="http://schemas.microsoft.com/office/drawing/2010/main" w="12700" cap="flat" cmpd="sng" algn="ctr">
+                <a:solidFill>
+                  <a:schemeClr val="accent1">
+                    <a:shade val="50000"/>
+                  </a:schemeClr>
+                </a:solidFill>
+                <a:prstDash val="solid"/>
+                <a:miter lim="800000"/>
+              </a14:hiddenLine>
+            </a:ext>
+          </a:extLst>
+        </p:spPr>
+        <p:style>
+          <a:lnRef idx="2">
+            <a:schemeClr val="accent1">
+              <a:shade val="50000"/>
+            </a:schemeClr>
+          </a:lnRef>
+          <a:fillRef idx="1">
+            <a:schemeClr val="accent1"/>
+          </a:fillRef>
+          <a:effectRef idx="0">
+            <a:schemeClr val="accent1"/>
+          </a:effectRef>
+          <a:fontRef idx="minor">
+            <a:schemeClr val="lt1"/>
+          </a:fontRef>
+        </p:style>
+        <p:txBody>
+          <a:bodyPr rtlCol="0" anchor="ctr"/>
+          <a:lstStyle/>
+          <a:p>
+            <a:pPr algn="ctr"/>
+            <a:endParaRPr lang="en-US" sz="2000"/>
+          </a:p>
+        </p:txBody>
+      </p:sp>
+      <p:sp>
+        <p:nvSpPr>
+          <p:cNvPr id="21" name="Rectangle 20">
+            <a:extLst>
+              <a:ext uri="{FF2B5EF4-FFF2-40B4-BE49-F238E27FC236}">
+                <a16:creationId xmlns:a16="http://schemas.microsoft.com/office/drawing/2014/main" id="{5428AC11-BFDF-42EF-80FF-717BBF909067}"/>
+              </a:ext>
+              <a:ext uri="{C183D7F6-B498-43B3-948B-1728B52AA6E4}">
+                <adec:decorative xmlns:adec="http://schemas.microsoft.com/office/drawing/2017/decorative" val="1"/>
+              </a:ext>
+            </a:extLst>
+          </p:cNvPr>
+          <p:cNvSpPr>
+            <a:spLocks noGrp="1" noRot="1" noChangeAspect="1" noMove="1" noResize="1" noEditPoints="1" noAdjustHandles="1" noChangeArrowheads="1" noChangeShapeType="1" noTextEdit="1"/>
+          </p:cNvSpPr>
+          <p:nvPr>
+            <p:extLst>
+              <p:ext uri="{386F3935-93C4-4BCD-93E2-E3B085C9AB24}">
+                <p16:designElem xmlns:p16="http://schemas.microsoft.com/office/powerpoint/2015/main" val="1"/>
+              </p:ext>
+            </p:extLst>
+          </p:nvPr>
+        </p:nvSpPr>
+        <p:spPr>
+          <a:xfrm rot="5400000" flipH="1">
+            <a:off x="-1417539" y="1417538"/>
+            <a:ext cx="6875818" cy="4040744"/>
+          </a:xfrm>
+          <a:prstGeom prst="rect">
+            <a:avLst/>
+          </a:prstGeom>
+          <a:gradFill>
+            <a:gsLst>
+              <a:gs pos="11000">
+                <a:srgbClr val="000000"/>
+              </a:gs>
+              <a:gs pos="100000">
+                <a:schemeClr val="accent1">
+                  <a:lumMod val="75000"/>
+                </a:schemeClr>
+              </a:gs>
+            </a:gsLst>
+            <a:lin ang="18600000" scaled="0"/>
+          </a:gradFill>
           <a:ln>
             <a:noFill/>
           </a:ln>
@@ -11917,7 +13787,7 @@
           <a:lstStyle/>
           <a:p>
             <a:pPr algn="ctr"/>
-            <a:endParaRPr lang="en-US"/>
+            <a:endParaRPr lang="en-US" dirty="0"/>
           </a:p>
         </p:txBody>
       </p:sp>
@@ -11926,7 +13796,7 @@
           <p:cNvPr id="22" name="Rectangle 21">
             <a:extLst>
               <a:ext uri="{FF2B5EF4-FFF2-40B4-BE49-F238E27FC236}">
-                <a16:creationId xmlns:a16="http://schemas.microsoft.com/office/drawing/2014/main" id="{9EF082FE-D96F-0D2A-34AA-F987D0796D34}"/>
+                <a16:creationId xmlns:a16="http://schemas.microsoft.com/office/drawing/2014/main" id="{2CC56AF6-38E4-490B-8E2B-1A1037B4EDD4}"/>
               </a:ext>
               <a:ext uri="{C183D7F6-B498-43B3-948B-1728B52AA6E4}">
                 <adec:decorative xmlns:adec="http://schemas.microsoft.com/office/drawing/2017/decorative" val="1"/>
@@ -11945,16 +13815,29 @@
           </p:nvPr>
         </p:nvSpPr>
         <p:spPr>
-          <a:xfrm>
-            <a:off x="0" y="1"/>
-            <a:ext cx="12192000" cy="5187142"/>
+          <a:xfrm rot="16200000">
+            <a:off x="-159565" y="2659404"/>
+            <a:ext cx="4355594" cy="4040742"/>
           </a:xfrm>
           <a:prstGeom prst="rect">
             <a:avLst/>
           </a:prstGeom>
-          <a:solidFill>
-            <a:schemeClr val="accent4"/>
-          </a:solidFill>
+          <a:gradFill>
+            <a:gsLst>
+              <a:gs pos="0">
+                <a:schemeClr val="accent1">
+                  <a:alpha val="50000"/>
+                </a:schemeClr>
+              </a:gs>
+              <a:gs pos="100000">
+                <a:schemeClr val="accent1">
+                  <a:lumMod val="50000"/>
+                  <a:alpha val="0"/>
+                </a:schemeClr>
+              </a:gs>
+            </a:gsLst>
+            <a:lin ang="11400000" scaled="0"/>
+          </a:gradFill>
           <a:ln>
             <a:noFill/>
           </a:ln>
@@ -11980,16 +13863,47 @@
           <a:lstStyle/>
           <a:p>
             <a:pPr algn="ctr"/>
-            <a:endParaRPr lang="en-US" dirty="0"/>
+            <a:endParaRPr lang="en-US"/>
           </a:p>
         </p:txBody>
       </p:sp>
+      <p:pic>
+        <p:nvPicPr>
+          <p:cNvPr id="7" name="Picture 6">
+            <a:extLst>
+              <a:ext uri="{FF2B5EF4-FFF2-40B4-BE49-F238E27FC236}">
+                <a16:creationId xmlns:a16="http://schemas.microsoft.com/office/drawing/2014/main" id="{FAD03CEA-C103-137A-6541-3C7919AF09E8}"/>
+              </a:ext>
+            </a:extLst>
+          </p:cNvPr>
+          <p:cNvPicPr>
+            <a:picLocks noChangeAspect="1"/>
+          </p:cNvPicPr>
+          <p:nvPr/>
+        </p:nvPicPr>
+        <p:blipFill>
+          <a:blip r:embed="rId2"/>
+          <a:srcRect t="4259" r="-1" b="-1"/>
+          <a:stretch>
+            <a:fillRect/>
+          </a:stretch>
+        </p:blipFill>
+        <p:spPr>
+          <a:xfrm>
+            <a:off x="4038610" y="7"/>
+            <a:ext cx="4039673" cy="6875812"/>
+          </a:xfrm>
+          <a:prstGeom prst="rect">
+            <a:avLst/>
+          </a:prstGeom>
+        </p:spPr>
+      </p:pic>
       <p:sp>
         <p:nvSpPr>
-          <p:cNvPr id="23" name="Rectangle 22">
+          <p:cNvPr id="23" name="Freeform: Shape 22">
             <a:extLst>
               <a:ext uri="{FF2B5EF4-FFF2-40B4-BE49-F238E27FC236}">
-                <a16:creationId xmlns:a16="http://schemas.microsoft.com/office/drawing/2014/main" id="{0BE13FF0-F6F1-375E-D271-70DAE72E1AC7}"/>
+                <a16:creationId xmlns:a16="http://schemas.microsoft.com/office/drawing/2014/main" id="{32FD26B0-16CE-4AD4-9CE4-A63EBF330831}"/>
               </a:ext>
               <a:ext uri="{C183D7F6-B498-43B3-948B-1728B52AA6E4}">
                 <adec:decorative xmlns:adec="http://schemas.microsoft.com/office/drawing/2017/decorative" val="1"/>
@@ -12008,26 +13922,127 @@
           </p:nvPr>
         </p:nvSpPr>
         <p:spPr>
-          <a:xfrm>
-            <a:off x="596464" y="551961"/>
-            <a:ext cx="10999072" cy="5399950"/>
+          <a:xfrm rot="6097846">
+            <a:off x="-747355" y="1201312"/>
+            <a:ext cx="4808302" cy="4088666"/>
           </a:xfrm>
-          <a:prstGeom prst="rect">
+          <a:custGeom>
             <a:avLst/>
-          </a:prstGeom>
-          <a:solidFill>
-            <a:schemeClr val="bg1"/>
-          </a:solidFill>
+            <a:gdLst>
+              <a:gd name="connsiteX0" fmla="*/ 48844 w 4808302"/>
+              <a:gd name="connsiteY0" fmla="*/ 2888671 h 4088666"/>
+              <a:gd name="connsiteX1" fmla="*/ 0 w 4808302"/>
+              <a:gd name="connsiteY1" fmla="*/ 2404151 h 4088666"/>
+              <a:gd name="connsiteX2" fmla="*/ 2404151 w 4808302"/>
+              <a:gd name="connsiteY2" fmla="*/ 0 h 4088666"/>
+              <a:gd name="connsiteX3" fmla="*/ 4808302 w 4808302"/>
+              <a:gd name="connsiteY3" fmla="*/ 2404151 h 4088666"/>
+              <a:gd name="connsiteX4" fmla="*/ 4700216 w 4808302"/>
+              <a:gd name="connsiteY4" fmla="*/ 3119072 h 4088666"/>
+              <a:gd name="connsiteX5" fmla="*/ 4643143 w 4808302"/>
+              <a:gd name="connsiteY5" fmla="*/ 3275009 h 4088666"/>
+              <a:gd name="connsiteX6" fmla="*/ 690093 w 4808302"/>
+              <a:gd name="connsiteY6" fmla="*/ 4088666 h 4088666"/>
+              <a:gd name="connsiteX7" fmla="*/ 548991 w 4808302"/>
+              <a:gd name="connsiteY7" fmla="*/ 3933414 h 4088666"/>
+              <a:gd name="connsiteX8" fmla="*/ 48844 w 4808302"/>
+              <a:gd name="connsiteY8" fmla="*/ 2888671 h 4088666"/>
+            </a:gdLst>
+            <a:ahLst/>
+            <a:cxnLst>
+              <a:cxn ang="0">
+                <a:pos x="connsiteX0" y="connsiteY0"/>
+              </a:cxn>
+              <a:cxn ang="0">
+                <a:pos x="connsiteX1" y="connsiteY1"/>
+              </a:cxn>
+              <a:cxn ang="0">
+                <a:pos x="connsiteX2" y="connsiteY2"/>
+              </a:cxn>
+              <a:cxn ang="0">
+                <a:pos x="connsiteX3" y="connsiteY3"/>
+              </a:cxn>
+              <a:cxn ang="0">
+                <a:pos x="connsiteX4" y="connsiteY4"/>
+              </a:cxn>
+              <a:cxn ang="0">
+                <a:pos x="connsiteX5" y="connsiteY5"/>
+              </a:cxn>
+              <a:cxn ang="0">
+                <a:pos x="connsiteX6" y="connsiteY6"/>
+              </a:cxn>
+              <a:cxn ang="0">
+                <a:pos x="connsiteX7" y="connsiteY7"/>
+              </a:cxn>
+              <a:cxn ang="0">
+                <a:pos x="connsiteX8" y="connsiteY8"/>
+              </a:cxn>
+            </a:cxnLst>
+            <a:rect l="l" t="t" r="r" b="b"/>
+            <a:pathLst>
+              <a:path w="4808302" h="4088666">
+                <a:moveTo>
+                  <a:pt x="48844" y="2888671"/>
+                </a:moveTo>
+                <a:cubicBezTo>
+                  <a:pt x="16818" y="2732167"/>
+                  <a:pt x="0" y="2570123"/>
+                  <a:pt x="0" y="2404151"/>
+                </a:cubicBezTo>
+                <a:cubicBezTo>
+                  <a:pt x="0" y="1076375"/>
+                  <a:pt x="1076375" y="0"/>
+                  <a:pt x="2404151" y="0"/>
+                </a:cubicBezTo>
+                <a:cubicBezTo>
+                  <a:pt x="3731927" y="0"/>
+                  <a:pt x="4808302" y="1076375"/>
+                  <a:pt x="4808302" y="2404151"/>
+                </a:cubicBezTo>
+                <a:cubicBezTo>
+                  <a:pt x="4808302" y="2653109"/>
+                  <a:pt x="4770461" y="2893229"/>
+                  <a:pt x="4700216" y="3119072"/>
+                </a:cubicBezTo>
+                <a:lnTo>
+                  <a:pt x="4643143" y="3275009"/>
+                </a:lnTo>
+                <a:lnTo>
+                  <a:pt x="690093" y="4088666"/>
+                </a:lnTo>
+                <a:lnTo>
+                  <a:pt x="548991" y="3933414"/>
+                </a:lnTo>
+                <a:cubicBezTo>
+                  <a:pt x="304015" y="3636572"/>
+                  <a:pt x="128908" y="3279932"/>
+                  <a:pt x="48844" y="2888671"/>
+                </a:cubicBezTo>
+                <a:close/>
+              </a:path>
+            </a:pathLst>
+          </a:custGeom>
+          <a:gradFill>
+            <a:gsLst>
+              <a:gs pos="39000">
+                <a:schemeClr val="accent1">
+                  <a:lumMod val="60000"/>
+                  <a:lumOff val="40000"/>
+                  <a:alpha val="0"/>
+                </a:schemeClr>
+              </a:gs>
+              <a:gs pos="100000">
+                <a:schemeClr val="accent1">
+                  <a:lumMod val="75000"/>
+                  <a:alpha val="26000"/>
+                </a:schemeClr>
+              </a:gs>
+            </a:gsLst>
+            <a:lin ang="16800000" scaled="0"/>
+          </a:gradFill>
           <a:ln>
             <a:noFill/>
           </a:ln>
-          <a:effectLst>
-            <a:outerShdw blurRad="139700" dist="127000" dir="5400000" algn="t" rotWithShape="0">
-              <a:prstClr val="black">
-                <a:alpha val="15000"/>
-              </a:prstClr>
-            </a:outerShdw>
-          </a:effectLst>
         </p:spPr>
         <p:style>
           <a:lnRef idx="2">
@@ -12046,72 +14061,22 @@
           </a:fontRef>
         </p:style>
         <p:txBody>
-          <a:bodyPr rtlCol="0" anchor="ctr"/>
+          <a:bodyPr wrap="square" rtlCol="0" anchor="ctr">
+            <a:noAutofit/>
+          </a:bodyPr>
           <a:lstStyle/>
           <a:p>
             <a:pPr algn="ctr"/>
-            <a:endParaRPr lang="en-US"/>
+            <a:endParaRPr lang="en-US" dirty="0"/>
           </a:p>
         </p:txBody>
       </p:sp>
-      <p:cxnSp>
-        <p:nvCxnSpPr>
-          <p:cNvPr id="25" name="Straight Connector 24">
+      <p:sp>
+        <p:nvSpPr>
+          <p:cNvPr id="2" name="Title 1">
             <a:extLst>
               <a:ext uri="{FF2B5EF4-FFF2-40B4-BE49-F238E27FC236}">
-                <a16:creationId xmlns:a16="http://schemas.microsoft.com/office/drawing/2014/main" id="{3A7F67B2-22A5-7F2D-13EB-E06229F5CB46}"/>
-              </a:ext>
-              <a:ext uri="{C183D7F6-B498-43B3-948B-1728B52AA6E4}">
-                <adec:decorative xmlns:adec="http://schemas.microsoft.com/office/drawing/2017/decorative" val="1"/>
-              </a:ext>
-            </a:extLst>
-          </p:cNvPr>
-          <p:cNvCxnSpPr>
-            <a:cxnSpLocks noGrp="1" noRot="1" noChangeAspect="1" noMove="1" noResize="1" noEditPoints="1" noAdjustHandles="1" noChangeArrowheads="1" noChangeShapeType="1"/>
-          </p:cNvCxnSpPr>
-          <p:nvPr>
-            <p:extLst>
-              <p:ext uri="{386F3935-93C4-4BCD-93E2-E3B085C9AB24}">
-                <p16:designElem xmlns:p16="http://schemas.microsoft.com/office/powerpoint/2015/main" val="1"/>
-              </p:ext>
-            </p:extLst>
-          </p:nvPr>
-        </p:nvCxnSpPr>
-        <p:spPr>
-          <a:xfrm flipH="1">
-            <a:off x="596464" y="6329769"/>
-            <a:ext cx="11000232" cy="0"/>
-          </a:xfrm>
-          <a:prstGeom prst="line">
-            <a:avLst/>
-          </a:prstGeom>
-          <a:ln w="152400">
-            <a:solidFill>
-              <a:schemeClr val="accent4"/>
-            </a:solidFill>
-          </a:ln>
-        </p:spPr>
-        <p:style>
-          <a:lnRef idx="1">
-            <a:schemeClr val="accent1"/>
-          </a:lnRef>
-          <a:fillRef idx="0">
-            <a:schemeClr val="accent1"/>
-          </a:fillRef>
-          <a:effectRef idx="0">
-            <a:schemeClr val="accent1"/>
-          </a:effectRef>
-          <a:fontRef idx="minor">
-            <a:schemeClr val="tx1"/>
-          </a:fontRef>
-        </p:style>
-      </p:cxnSp>
-      <p:sp>
-        <p:nvSpPr>
-          <p:cNvPr id="9" name="Title 1">
-            <a:extLst>
-              <a:ext uri="{FF2B5EF4-FFF2-40B4-BE49-F238E27FC236}">
-                <a16:creationId xmlns:a16="http://schemas.microsoft.com/office/drawing/2014/main" id="{D6D36DC8-D9BF-8C26-69EA-ED89E34DB644}"/>
+                <a16:creationId xmlns:a16="http://schemas.microsoft.com/office/drawing/2014/main" id="{DA0954DF-016C-D845-8992-C5BD91CB8DFF}"/>
               </a:ext>
             </a:extLst>
           </p:cNvPr>
@@ -12124,53 +14089,93 @@
         </p:nvSpPr>
         <p:spPr>
           <a:xfrm>
-            <a:off x="4008559" y="768350"/>
-            <a:ext cx="4162181" cy="920920"/>
+            <a:off x="-75100" y="2945176"/>
+            <a:ext cx="4278390" cy="2757975"/>
           </a:xfrm>
         </p:spPr>
         <p:txBody>
-          <a:bodyPr/>
+          <a:bodyPr vert="horz" lIns="91440" tIns="45720" rIns="91440" bIns="45720" rtlCol="0" anchor="t">
+            <a:normAutofit/>
+          </a:bodyPr>
           <a:lstStyle/>
           <a:p>
+            <a:pPr algn="ctr"/>
             <a:r>
-              <a:rPr lang="en-US" dirty="0"/>
-              <a:t>Week 7 Plan</a:t>
+              <a:rPr lang="en-US" sz="4000" dirty="0">
+                <a:solidFill>
+                  <a:srgbClr val="FFFFFF"/>
+                </a:solidFill>
+              </a:rPr>
+              <a:t>Password</a:t>
             </a:r>
+            <a:br>
+              <a:rPr lang="en-US" sz="4000" dirty="0">
+                <a:solidFill>
+                  <a:srgbClr val="FFFFFF"/>
+                </a:solidFill>
+              </a:rPr>
+            </a:br>
+            <a:r>
+              <a:rPr lang="en-US" sz="4000" dirty="0">
+                <a:solidFill>
+                  <a:srgbClr val="FFFFFF"/>
+                </a:solidFill>
+              </a:rPr>
+              <a:t>Requirements </a:t>
+            </a:r>
+            <a:br>
+              <a:rPr lang="en-US" sz="4000" dirty="0">
+                <a:solidFill>
+                  <a:srgbClr val="FFFFFF"/>
+                </a:solidFill>
+              </a:rPr>
+            </a:br>
+            <a:endParaRPr lang="en-US" sz="4000" kern="1200" dirty="0">
+              <a:solidFill>
+                <a:srgbClr val="FFFFFF"/>
+              </a:solidFill>
+              <a:latin typeface="+mj-lt"/>
+              <a:ea typeface="+mj-ea"/>
+              <a:cs typeface="+mj-cs"/>
+            </a:endParaRPr>
           </a:p>
         </p:txBody>
       </p:sp>
-      <p:graphicFrame>
-        <p:nvGraphicFramePr>
-          <p:cNvPr id="27" name="Text Placeholder 2">
+      <p:pic>
+        <p:nvPicPr>
+          <p:cNvPr id="5" name="Picture 4">
             <a:extLst>
               <a:ext uri="{FF2B5EF4-FFF2-40B4-BE49-F238E27FC236}">
-                <a16:creationId xmlns:a16="http://schemas.microsoft.com/office/drawing/2014/main" id="{D6B93F0B-FEB0-EDAB-CFE1-A57DEFE97FCD}"/>
+                <a16:creationId xmlns:a16="http://schemas.microsoft.com/office/drawing/2014/main" id="{FD76D878-3A30-FB4D-7FBB-E2CAABFAC68C}"/>
               </a:ext>
             </a:extLst>
           </p:cNvPr>
-          <p:cNvGraphicFramePr/>
-          <p:nvPr>
-            <p:extLst>
-              <p:ext uri="{D42A27DB-BD31-4B8C-83A1-F6EECF244321}">
-                <p14:modId xmlns:p14="http://schemas.microsoft.com/office/powerpoint/2010/main" val="3627196459"/>
-              </p:ext>
-            </p:extLst>
-          </p:nvPr>
-        </p:nvGraphicFramePr>
-        <p:xfrm>
-          <a:off x="838199" y="2688113"/>
-          <a:ext cx="10515600" cy="3050990"/>
-        </p:xfrm>
-        <a:graphic>
-          <a:graphicData uri="http://schemas.openxmlformats.org/drawingml/2006/diagram">
-            <dgm:relIds xmlns:dgm="http://schemas.openxmlformats.org/drawingml/2006/diagram" xmlns:r="http://schemas.openxmlformats.org/officeDocument/2006/relationships" r:dm="rId2" r:lo="rId3" r:qs="rId4" r:cs="rId5"/>
-          </a:graphicData>
-        </a:graphic>
-      </p:graphicFrame>
+          <p:cNvPicPr>
+            <a:picLocks noChangeAspect="1"/>
+          </p:cNvPicPr>
+          <p:nvPr/>
+        </p:nvPicPr>
+        <p:blipFill>
+          <a:blip r:embed="rId3"/>
+          <a:srcRect t="14954" b="5013"/>
+          <a:stretch>
+            <a:fillRect/>
+          </a:stretch>
+        </p:blipFill>
+        <p:spPr>
+          <a:xfrm>
+            <a:off x="8068007" y="-7"/>
+            <a:ext cx="4123986" cy="6876146"/>
+          </a:xfrm>
+          <a:prstGeom prst="rect">
+            <a:avLst/>
+          </a:prstGeom>
+        </p:spPr>
+      </p:pic>
     </p:spTree>
     <p:extLst>
       <p:ext uri="{BB962C8B-B14F-4D97-AF65-F5344CB8AC3E}">
-        <p14:creationId xmlns:p14="http://schemas.microsoft.com/office/powerpoint/2010/main" val="2561402868"/>
+        <p14:creationId xmlns:p14="http://schemas.microsoft.com/office/powerpoint/2010/main" val="3667650440"/>
       </p:ext>
     </p:extLst>
   </p:cSld>
@@ -12207,10 +14212,10 @@
       </p:grpSpPr>
       <p:sp useBgFill="1">
         <p:nvSpPr>
-          <p:cNvPr id="28" name="Rectangle 27">
+          <p:cNvPr id="10" name="Rectangle 9">
             <a:extLst>
               <a:ext uri="{FF2B5EF4-FFF2-40B4-BE49-F238E27FC236}">
-                <a16:creationId xmlns:a16="http://schemas.microsoft.com/office/drawing/2014/main" id="{C1A1C5D3-C053-4EE9-BE1A-419B6E27CCAE}"/>
+                <a16:creationId xmlns:a16="http://schemas.microsoft.com/office/drawing/2014/main" id="{A8384FB5-9ADC-4DDC-881B-597D56F5B15D}"/>
               </a:ext>
               <a:ext uri="{C183D7F6-B498-43B3-948B-1728B52AA6E4}">
                 <adec:decorative xmlns:adec="http://schemas.microsoft.com/office/drawing/2017/decorative" val="1"/>
@@ -12236,6 +14241,97 @@
           <a:prstGeom prst="rect">
             <a:avLst/>
           </a:prstGeom>
+          <a:ln w="12700" cap="flat" cmpd="sng" algn="ctr">
+            <a:noFill/>
+            <a:prstDash val="solid"/>
+            <a:miter lim="800000"/>
+          </a:ln>
+          <a:effectLst/>
+          <a:extLst>
+            <a:ext uri="{91240B29-F687-4F45-9708-019B960494DF}">
+              <a14:hiddenLine xmlns:a14="http://schemas.microsoft.com/office/drawing/2010/main" w="12700" cap="flat" cmpd="sng" algn="ctr">
+                <a:solidFill>
+                  <a:schemeClr val="accent1">
+                    <a:shade val="50000"/>
+                  </a:schemeClr>
+                </a:solidFill>
+                <a:prstDash val="solid"/>
+                <a:miter lim="800000"/>
+              </a14:hiddenLine>
+            </a:ext>
+          </a:extLst>
+        </p:spPr>
+        <p:style>
+          <a:lnRef idx="2">
+            <a:schemeClr val="accent1">
+              <a:shade val="50000"/>
+            </a:schemeClr>
+          </a:lnRef>
+          <a:fillRef idx="1">
+            <a:schemeClr val="accent1"/>
+          </a:fillRef>
+          <a:effectRef idx="0">
+            <a:schemeClr val="accent1"/>
+          </a:effectRef>
+          <a:fontRef idx="minor">
+            <a:schemeClr val="lt1"/>
+          </a:fontRef>
+        </p:style>
+        <p:txBody>
+          <a:bodyPr rtlCol="0" anchor="ctr"/>
+          <a:lstStyle/>
+          <a:p>
+            <a:pPr algn="ctr"/>
+            <a:endParaRPr lang="en-US"/>
+          </a:p>
+        </p:txBody>
+      </p:sp>
+      <p:sp>
+        <p:nvSpPr>
+          <p:cNvPr id="12" name="Rectangle 11">
+            <a:extLst>
+              <a:ext uri="{FF2B5EF4-FFF2-40B4-BE49-F238E27FC236}">
+                <a16:creationId xmlns:a16="http://schemas.microsoft.com/office/drawing/2014/main" id="{1199E1B1-A8C0-4FE8-A5A8-1CB41D69F857}"/>
+              </a:ext>
+              <a:ext uri="{C183D7F6-B498-43B3-948B-1728B52AA6E4}">
+                <adec:decorative xmlns:adec="http://schemas.microsoft.com/office/drawing/2017/decorative" val="1"/>
+              </a:ext>
+            </a:extLst>
+          </p:cNvPr>
+          <p:cNvSpPr>
+            <a:spLocks noGrp="1" noRot="1" noChangeAspect="1" noMove="1" noResize="1" noEditPoints="1" noAdjustHandles="1" noChangeArrowheads="1" noChangeShapeType="1" noTextEdit="1"/>
+          </p:cNvSpPr>
+          <p:nvPr>
+            <p:extLst>
+              <p:ext uri="{386F3935-93C4-4BCD-93E2-E3B085C9AB24}">
+                <p16:designElem xmlns:p16="http://schemas.microsoft.com/office/powerpoint/2015/main" val="1"/>
+              </p:ext>
+            </p:extLst>
+          </p:nvPr>
+        </p:nvSpPr>
+        <p:spPr>
+          <a:xfrm rot="10800000" flipH="1">
+            <a:off x="2" y="0"/>
+            <a:ext cx="12191998" cy="1575955"/>
+          </a:xfrm>
+          <a:prstGeom prst="rect">
+            <a:avLst/>
+          </a:prstGeom>
+          <a:gradFill>
+            <a:gsLst>
+              <a:gs pos="0">
+                <a:srgbClr val="000000">
+                  <a:alpha val="96000"/>
+                </a:srgbClr>
+              </a:gs>
+              <a:gs pos="100000">
+                <a:schemeClr val="accent1">
+                  <a:lumMod val="75000"/>
+                </a:schemeClr>
+              </a:gs>
+            </a:gsLst>
+            <a:lin ang="6000000" scaled="0"/>
+          </a:gradFill>
           <a:ln>
             <a:noFill/>
           </a:ln>
@@ -12265,12 +14361,12 @@
           </a:p>
         </p:txBody>
       </p:sp>
-      <p:sp useBgFill="1">
+      <p:sp>
         <p:nvSpPr>
-          <p:cNvPr id="30" name="Rectangle 29">
+          <p:cNvPr id="14" name="Rectangle 13">
             <a:extLst>
               <a:ext uri="{FF2B5EF4-FFF2-40B4-BE49-F238E27FC236}">
-                <a16:creationId xmlns:a16="http://schemas.microsoft.com/office/drawing/2014/main" id="{A3473CF9-37EB-43E7-89EF-D2D1C53D1DAC}"/>
+                <a16:creationId xmlns:a16="http://schemas.microsoft.com/office/drawing/2014/main" id="{84A8DE83-DE75-4B41-9DB4-A7EC0B0DEC0B}"/>
               </a:ext>
               <a:ext uri="{C183D7F6-B498-43B3-948B-1728B52AA6E4}">
                 <adec:decorative xmlns:adec="http://schemas.microsoft.com/office/drawing/2017/decorative" val="1"/>
@@ -12290,159 +14386,29 @@
         </p:nvSpPr>
         <p:spPr>
           <a:xfrm>
-            <a:off x="1903615" y="221673"/>
-            <a:ext cx="8384770" cy="1332634"/>
+            <a:off x="0" y="0"/>
+            <a:ext cx="8128856" cy="1575461"/>
           </a:xfrm>
           <a:prstGeom prst="rect">
             <a:avLst/>
           </a:prstGeom>
-          <a:ln w="12700">
-            <a:solidFill>
-              <a:srgbClr val="E1E1E1"/>
-            </a:solidFill>
-          </a:ln>
-          <a:effectLst>
-            <a:outerShdw blurRad="50800" dist="38100" dir="2700000" algn="tl" rotWithShape="0">
-              <a:schemeClr val="bg2">
-                <a:lumMod val="85000"/>
-                <a:alpha val="50000"/>
-              </a:schemeClr>
-            </a:outerShdw>
-          </a:effectLst>
-        </p:spPr>
-        <p:style>
-          <a:lnRef idx="2">
-            <a:schemeClr val="accent1">
-              <a:shade val="50000"/>
-            </a:schemeClr>
-          </a:lnRef>
-          <a:fillRef idx="1">
-            <a:schemeClr val="accent1"/>
-          </a:fillRef>
-          <a:effectRef idx="0">
-            <a:schemeClr val="accent1"/>
-          </a:effectRef>
-          <a:fontRef idx="minor">
-            <a:schemeClr val="lt1"/>
-          </a:fontRef>
-        </p:style>
-        <p:txBody>
-          <a:bodyPr rtlCol="0" anchor="ctr"/>
-          <a:lstStyle/>
-          <a:p>
-            <a:pPr marL="0" marR="0" lvl="0" indent="0" algn="ctr" defTabSz="914400" rtl="0" eaLnBrk="1" fontAlgn="auto" latinLnBrk="0" hangingPunct="1">
-              <a:lnSpc>
-                <a:spcPct val="100000"/>
-              </a:lnSpc>
-              <a:spcBef>
-                <a:spcPts val="0"/>
-              </a:spcBef>
-              <a:spcAft>
-                <a:spcPts val="0"/>
-              </a:spcAft>
-              <a:buClrTx/>
-              <a:buSzTx/>
-              <a:buFontTx/>
-              <a:buNone/>
-              <a:tabLst/>
-              <a:defRPr/>
-            </a:pPr>
-            <a:endParaRPr kumimoji="0" lang="en-US" sz="1800" b="0" i="0" u="none" strike="noStrike" kern="1200" cap="none" spc="0" normalizeH="0" baseline="0" noProof="0">
-              <a:ln>
-                <a:noFill/>
-              </a:ln>
-              <a:solidFill>
-                <a:prstClr val="white"/>
-              </a:solidFill>
-              <a:effectLst/>
-              <a:uLnTx/>
-              <a:uFillTx/>
-              <a:latin typeface="Calibri" panose="020F0502020204030204"/>
-              <a:ea typeface="+mn-ea"/>
-              <a:cs typeface="+mn-cs"/>
-            </a:endParaRPr>
-          </a:p>
-        </p:txBody>
-      </p:sp>
-      <p:sp>
-        <p:nvSpPr>
-          <p:cNvPr id="2" name="Title 1">
-            <a:extLst>
-              <a:ext uri="{FF2B5EF4-FFF2-40B4-BE49-F238E27FC236}">
-                <a16:creationId xmlns:a16="http://schemas.microsoft.com/office/drawing/2014/main" id="{7523CF74-09B7-84B3-F859-D7073DC1C80F}"/>
-              </a:ext>
-            </a:extLst>
-          </p:cNvPr>
-          <p:cNvSpPr>
-            <a:spLocks noGrp="1"/>
-          </p:cNvSpPr>
-          <p:nvPr>
-            <p:ph type="title"/>
-          </p:nvPr>
-        </p:nvSpPr>
-        <p:spPr>
-          <a:xfrm>
-            <a:off x="2103121" y="310343"/>
-            <a:ext cx="7985759" cy="868823"/>
-          </a:xfrm>
-        </p:spPr>
-        <p:txBody>
-          <a:bodyPr vert="horz" lIns="91440" tIns="45720" rIns="91440" bIns="45720" rtlCol="0" anchor="ctr">
-            <a:normAutofit/>
-          </a:bodyPr>
-          <a:lstStyle/>
-          <a:p>
-            <a:pPr algn="ctr"/>
-            <a:r>
-              <a:rPr lang="en-US" sz="4000" kern="1200">
-                <a:solidFill>
-                  <a:schemeClr val="tx1"/>
-                </a:solidFill>
-                <a:latin typeface="+mj-lt"/>
-                <a:ea typeface="+mj-ea"/>
-                <a:cs typeface="+mj-cs"/>
-              </a:rPr>
-              <a:t>Planning</a:t>
-            </a:r>
-          </a:p>
-        </p:txBody>
-      </p:sp>
-      <p:sp>
-        <p:nvSpPr>
-          <p:cNvPr id="32" name="Rectangle: Rounded Corners 31">
-            <a:extLst>
-              <a:ext uri="{FF2B5EF4-FFF2-40B4-BE49-F238E27FC236}">
-                <a16:creationId xmlns:a16="http://schemas.microsoft.com/office/drawing/2014/main" id="{586B4EF9-43BA-4655-A6FF-1D8E21574C95}"/>
-              </a:ext>
-              <a:ext uri="{C183D7F6-B498-43B3-948B-1728B52AA6E4}">
-                <adec:decorative xmlns:adec="http://schemas.microsoft.com/office/drawing/2017/decorative" val="1"/>
-              </a:ext>
-            </a:extLst>
-          </p:cNvPr>
-          <p:cNvSpPr>
-            <a:spLocks noGrp="1" noRot="1" noChangeAspect="1" noMove="1" noResize="1" noEditPoints="1" noAdjustHandles="1" noChangeArrowheads="1" noChangeShapeType="1" noTextEdit="1"/>
-          </p:cNvSpPr>
-          <p:nvPr>
-            <p:extLst>
-              <p:ext uri="{386F3935-93C4-4BCD-93E2-E3B085C9AB24}">
-                <p16:designElem xmlns:p16="http://schemas.microsoft.com/office/powerpoint/2015/main" val="1"/>
-              </p:ext>
-            </p:extLst>
-          </p:nvPr>
-        </p:nvSpPr>
-        <p:spPr>
-          <a:xfrm>
-            <a:off x="2483110" y="1211407"/>
-            <a:ext cx="7225780" cy="685800"/>
-          </a:xfrm>
-          <a:prstGeom prst="roundRect">
-            <a:avLst>
-              <a:gd name="adj" fmla="val 0"/>
-            </a:avLst>
-          </a:prstGeom>
-          <a:solidFill>
-            <a:schemeClr val="accent2"/>
-          </a:solidFill>
+          <a:gradFill>
+            <a:gsLst>
+              <a:gs pos="0">
+                <a:schemeClr val="accent1">
+                  <a:alpha val="41000"/>
+                </a:schemeClr>
+              </a:gs>
+              <a:gs pos="74000">
+                <a:schemeClr val="accent1">
+                  <a:lumMod val="60000"/>
+                  <a:lumOff val="40000"/>
+                  <a:alpha val="0"/>
+                </a:schemeClr>
+              </a:gs>
+            </a:gsLst>
+            <a:lin ang="8400000" scaled="0"/>
+          </a:gradFill>
           <a:ln>
             <a:noFill/>
           </a:ln>
@@ -12468,21 +14434,91 @@
           <a:lstStyle/>
           <a:p>
             <a:pPr algn="ctr"/>
-            <a:endParaRPr lang="en-US">
-              <a:solidFill>
-                <a:prstClr val="white"/>
-              </a:solidFill>
-              <a:latin typeface="Calibri" panose="020F0502020204030204"/>
-            </a:endParaRPr>
+            <a:endParaRPr lang="en-US"/>
           </a:p>
         </p:txBody>
       </p:sp>
       <p:sp>
         <p:nvSpPr>
-          <p:cNvPr id="3" name="Text Placeholder 2">
+          <p:cNvPr id="16" name="Rectangle 15">
             <a:extLst>
               <a:ext uri="{FF2B5EF4-FFF2-40B4-BE49-F238E27FC236}">
-                <a16:creationId xmlns:a16="http://schemas.microsoft.com/office/drawing/2014/main" id="{C605E30C-3490-D1E3-740D-40AD5E393958}"/>
+                <a16:creationId xmlns:a16="http://schemas.microsoft.com/office/drawing/2014/main" id="{A7009A0A-BEF5-4EAC-AF15-E4F9F002E239}"/>
+              </a:ext>
+              <a:ext uri="{C183D7F6-B498-43B3-948B-1728B52AA6E4}">
+                <adec:decorative xmlns:adec="http://schemas.microsoft.com/office/drawing/2017/decorative" val="1"/>
+              </a:ext>
+            </a:extLst>
+          </p:cNvPr>
+          <p:cNvSpPr>
+            <a:spLocks noGrp="1" noRot="1" noChangeAspect="1" noMove="1" noResize="1" noEditPoints="1" noAdjustHandles="1" noChangeArrowheads="1" noChangeShapeType="1" noTextEdit="1"/>
+          </p:cNvSpPr>
+          <p:nvPr>
+            <p:extLst>
+              <p:ext uri="{386F3935-93C4-4BCD-93E2-E3B085C9AB24}">
+                <p16:designElem xmlns:p16="http://schemas.microsoft.com/office/powerpoint/2015/main" val="1"/>
+              </p:ext>
+            </p:extLst>
+          </p:nvPr>
+        </p:nvSpPr>
+        <p:spPr>
+          <a:xfrm flipH="1">
+            <a:off x="-3" y="-1"/>
+            <a:ext cx="12192002" cy="1574311"/>
+          </a:xfrm>
+          <a:prstGeom prst="rect">
+            <a:avLst/>
+          </a:prstGeom>
+          <a:gradFill>
+            <a:gsLst>
+              <a:gs pos="0">
+                <a:srgbClr val="000000">
+                  <a:alpha val="63000"/>
+                </a:srgbClr>
+              </a:gs>
+              <a:gs pos="78000">
+                <a:schemeClr val="accent1">
+                  <a:alpha val="15000"/>
+                </a:schemeClr>
+              </a:gs>
+            </a:gsLst>
+            <a:lin ang="15600000" scaled="0"/>
+          </a:gradFill>
+          <a:ln>
+            <a:noFill/>
+          </a:ln>
+        </p:spPr>
+        <p:style>
+          <a:lnRef idx="2">
+            <a:schemeClr val="accent1">
+              <a:shade val="50000"/>
+            </a:schemeClr>
+          </a:lnRef>
+          <a:fillRef idx="1">
+            <a:schemeClr val="accent1"/>
+          </a:fillRef>
+          <a:effectRef idx="0">
+            <a:schemeClr val="accent1"/>
+          </a:effectRef>
+          <a:fontRef idx="minor">
+            <a:schemeClr val="lt1"/>
+          </a:fontRef>
+        </p:style>
+        <p:txBody>
+          <a:bodyPr rtlCol="0" anchor="ctr"/>
+          <a:lstStyle/>
+          <a:p>
+            <a:pPr algn="ctr"/>
+            <a:endParaRPr lang="en-US"/>
+          </a:p>
+        </p:txBody>
+      </p:sp>
+      <p:sp>
+        <p:nvSpPr>
+          <p:cNvPr id="2" name="Title 1">
+            <a:extLst>
+              <a:ext uri="{FF2B5EF4-FFF2-40B4-BE49-F238E27FC236}">
+                <a16:creationId xmlns:a16="http://schemas.microsoft.com/office/drawing/2014/main" id="{A505808F-7D44-6A85-D501-49B998EF5753}"/>
               </a:ext>
             </a:extLst>
           </p:cNvPr>
@@ -12490,13 +14526,13 @@
             <a:spLocks noGrp="1"/>
           </p:cNvSpPr>
           <p:nvPr>
-            <p:ph type="body" idx="1"/>
+            <p:ph type="title"/>
           </p:nvPr>
         </p:nvSpPr>
         <p:spPr>
           <a:xfrm>
-            <a:off x="2615738" y="1263807"/>
-            <a:ext cx="6960524" cy="598516"/>
+            <a:off x="699713" y="248038"/>
+            <a:ext cx="7063721" cy="1159200"/>
           </a:xfrm>
         </p:spPr>
         <p:txBody>
@@ -12505,17 +14541,16 @@
           </a:bodyPr>
           <a:lstStyle/>
           <a:p>
-            <a:pPr algn="ctr"/>
             <a:r>
-              <a:rPr lang="en-US" sz="2000" kern="1200">
+              <a:rPr lang="en-US" sz="4000" kern="1200" dirty="0">
                 <a:solidFill>
-                  <a:schemeClr val="bg1"/>
+                  <a:srgbClr val="FFFFFF"/>
                 </a:solidFill>
-                <a:latin typeface="+mn-lt"/>
-                <a:ea typeface="+mn-ea"/>
-                <a:cs typeface="+mn-cs"/>
+                <a:latin typeface="+mj-lt"/>
+                <a:ea typeface="+mj-ea"/>
+                <a:cs typeface="+mj-cs"/>
               </a:rPr>
-              <a:t>Gant chart</a:t>
+              <a:t>Private  Activities Now Stored</a:t>
             </a:r>
           </a:p>
         </p:txBody>
@@ -12525,7 +14560,7 @@
           <p:cNvPr id="5" name="Picture 4">
             <a:extLst>
               <a:ext uri="{FF2B5EF4-FFF2-40B4-BE49-F238E27FC236}">
-                <a16:creationId xmlns:a16="http://schemas.microsoft.com/office/drawing/2014/main" id="{30D9BB01-16EE-371C-49E8-833A93D92451}"/>
+                <a16:creationId xmlns:a16="http://schemas.microsoft.com/office/drawing/2014/main" id="{6F870A30-2658-29DF-258E-C75A7497EE87}"/>
               </a:ext>
             </a:extLst>
           </p:cNvPr>
@@ -12536,30 +14571,24 @@
         </p:nvPicPr>
         <p:blipFill>
           <a:blip r:embed="rId2"/>
-          <a:srcRect r="3514"/>
           <a:stretch>
             <a:fillRect/>
           </a:stretch>
         </p:blipFill>
         <p:spPr>
           <a:xfrm>
-            <a:off x="0" y="2219602"/>
-            <a:ext cx="12191999" cy="4608716"/>
+            <a:off x="1489030" y="1623025"/>
+            <a:ext cx="9451983" cy="4844143"/>
           </a:xfrm>
           <a:prstGeom prst="rect">
             <a:avLst/>
           </a:prstGeom>
-          <a:ln w="28575">
-            <a:solidFill>
-              <a:schemeClr val="accent2"/>
-            </a:solidFill>
-          </a:ln>
         </p:spPr>
       </p:pic>
     </p:spTree>
     <p:extLst>
       <p:ext uri="{BB962C8B-B14F-4D97-AF65-F5344CB8AC3E}">
-        <p14:creationId xmlns:p14="http://schemas.microsoft.com/office/powerpoint/2010/main" val="3713997872"/>
+        <p14:creationId xmlns:p14="http://schemas.microsoft.com/office/powerpoint/2010/main" val="2380309321"/>
       </p:ext>
     </p:extLst>
   </p:cSld>
@@ -12596,10 +14625,10 @@
       </p:grpSpPr>
       <p:sp useBgFill="1">
         <p:nvSpPr>
-          <p:cNvPr id="7" name="Rectangle 6">
+          <p:cNvPr id="10" name="Rectangle 9">
             <a:extLst>
               <a:ext uri="{FF2B5EF4-FFF2-40B4-BE49-F238E27FC236}">
-                <a16:creationId xmlns:a16="http://schemas.microsoft.com/office/drawing/2014/main" id="{9C7E0A2C-7C0A-4AAC-B3B0-6C12B2EBAE05}"/>
+                <a16:creationId xmlns:a16="http://schemas.microsoft.com/office/drawing/2014/main" id="{A8384FB5-9ADC-4DDC-881B-597D56F5B15D}"/>
               </a:ext>
               <a:ext uri="{C183D7F6-B498-43B3-948B-1728B52AA6E4}">
                 <adec:decorative xmlns:adec="http://schemas.microsoft.com/office/drawing/2017/decorative" val="1"/>
@@ -12620,11 +14649,102 @@
         <p:spPr>
           <a:xfrm>
             <a:off x="0" y="0"/>
-            <a:ext cx="12191999" cy="6857365"/>
+            <a:ext cx="12192000" cy="6858000"/>
           </a:xfrm>
           <a:prstGeom prst="rect">
             <a:avLst/>
           </a:prstGeom>
+          <a:ln w="12700" cap="flat" cmpd="sng" algn="ctr">
+            <a:noFill/>
+            <a:prstDash val="solid"/>
+            <a:miter lim="800000"/>
+          </a:ln>
+          <a:effectLst/>
+          <a:extLst>
+            <a:ext uri="{91240B29-F687-4F45-9708-019B960494DF}">
+              <a14:hiddenLine xmlns:a14="http://schemas.microsoft.com/office/drawing/2010/main" w="12700" cap="flat" cmpd="sng" algn="ctr">
+                <a:solidFill>
+                  <a:schemeClr val="accent1">
+                    <a:shade val="50000"/>
+                  </a:schemeClr>
+                </a:solidFill>
+                <a:prstDash val="solid"/>
+                <a:miter lim="800000"/>
+              </a14:hiddenLine>
+            </a:ext>
+          </a:extLst>
+        </p:spPr>
+        <p:style>
+          <a:lnRef idx="2">
+            <a:schemeClr val="accent1">
+              <a:shade val="50000"/>
+            </a:schemeClr>
+          </a:lnRef>
+          <a:fillRef idx="1">
+            <a:schemeClr val="accent1"/>
+          </a:fillRef>
+          <a:effectRef idx="0">
+            <a:schemeClr val="accent1"/>
+          </a:effectRef>
+          <a:fontRef idx="minor">
+            <a:schemeClr val="lt1"/>
+          </a:fontRef>
+        </p:style>
+        <p:txBody>
+          <a:bodyPr rtlCol="0" anchor="ctr"/>
+          <a:lstStyle/>
+          <a:p>
+            <a:pPr algn="ctr"/>
+            <a:endParaRPr lang="en-US"/>
+          </a:p>
+        </p:txBody>
+      </p:sp>
+      <p:sp>
+        <p:nvSpPr>
+          <p:cNvPr id="12" name="Rectangle 11">
+            <a:extLst>
+              <a:ext uri="{FF2B5EF4-FFF2-40B4-BE49-F238E27FC236}">
+                <a16:creationId xmlns:a16="http://schemas.microsoft.com/office/drawing/2014/main" id="{1199E1B1-A8C0-4FE8-A5A8-1CB41D69F857}"/>
+              </a:ext>
+              <a:ext uri="{C183D7F6-B498-43B3-948B-1728B52AA6E4}">
+                <adec:decorative xmlns:adec="http://schemas.microsoft.com/office/drawing/2017/decorative" val="1"/>
+              </a:ext>
+            </a:extLst>
+          </p:cNvPr>
+          <p:cNvSpPr>
+            <a:spLocks noGrp="1" noRot="1" noChangeAspect="1" noMove="1" noResize="1" noEditPoints="1" noAdjustHandles="1" noChangeArrowheads="1" noChangeShapeType="1" noTextEdit="1"/>
+          </p:cNvSpPr>
+          <p:nvPr>
+            <p:extLst>
+              <p:ext uri="{386F3935-93C4-4BCD-93E2-E3B085C9AB24}">
+                <p16:designElem xmlns:p16="http://schemas.microsoft.com/office/powerpoint/2015/main" val="1"/>
+              </p:ext>
+            </p:extLst>
+          </p:nvPr>
+        </p:nvSpPr>
+        <p:spPr>
+          <a:xfrm rot="10800000" flipH="1">
+            <a:off x="2" y="0"/>
+            <a:ext cx="12191998" cy="1575955"/>
+          </a:xfrm>
+          <a:prstGeom prst="rect">
+            <a:avLst/>
+          </a:prstGeom>
+          <a:gradFill>
+            <a:gsLst>
+              <a:gs pos="0">
+                <a:srgbClr val="000000">
+                  <a:alpha val="96000"/>
+                </a:srgbClr>
+              </a:gs>
+              <a:gs pos="100000">
+                <a:schemeClr val="accent1">
+                  <a:lumMod val="75000"/>
+                </a:schemeClr>
+              </a:gs>
+            </a:gsLst>
+            <a:lin ang="6000000" scaled="0"/>
+          </a:gradFill>
           <a:ln>
             <a:noFill/>
           </a:ln>
@@ -12656,10 +14776,10 @@
       </p:sp>
       <p:sp>
         <p:nvSpPr>
-          <p:cNvPr id="9" name="Rectangle 8">
+          <p:cNvPr id="14" name="Rectangle 13">
             <a:extLst>
               <a:ext uri="{FF2B5EF4-FFF2-40B4-BE49-F238E27FC236}">
-                <a16:creationId xmlns:a16="http://schemas.microsoft.com/office/drawing/2014/main" id="{5EB7D2A2-F448-44D4-938C-DC84CBCB3B1E}"/>
+                <a16:creationId xmlns:a16="http://schemas.microsoft.com/office/drawing/2014/main" id="{84A8DE83-DE75-4B41-9DB4-A7EC0B0DEC0B}"/>
               </a:ext>
               <a:ext uri="{C183D7F6-B498-43B3-948B-1728B52AA6E4}">
                 <adec:decorative xmlns:adec="http://schemas.microsoft.com/office/drawing/2017/decorative" val="1"/>
@@ -12679,15 +14799,29 @@
         </p:nvSpPr>
         <p:spPr>
           <a:xfrm>
-            <a:off x="0" y="1"/>
-            <a:ext cx="12192000" cy="5187142"/>
+            <a:off x="0" y="0"/>
+            <a:ext cx="8128856" cy="1575461"/>
           </a:xfrm>
           <a:prstGeom prst="rect">
             <a:avLst/>
           </a:prstGeom>
-          <a:solidFill>
-            <a:schemeClr val="accent4"/>
-          </a:solidFill>
+          <a:gradFill>
+            <a:gsLst>
+              <a:gs pos="0">
+                <a:schemeClr val="accent1">
+                  <a:alpha val="41000"/>
+                </a:schemeClr>
+              </a:gs>
+              <a:gs pos="74000">
+                <a:schemeClr val="accent1">
+                  <a:lumMod val="60000"/>
+                  <a:lumOff val="40000"/>
+                  <a:alpha val="0"/>
+                </a:schemeClr>
+              </a:gs>
+            </a:gsLst>
+            <a:lin ang="8400000" scaled="0"/>
+          </a:gradFill>
           <a:ln>
             <a:noFill/>
           </a:ln>
@@ -12713,16 +14847,16 @@
           <a:lstStyle/>
           <a:p>
             <a:pPr algn="ctr"/>
-            <a:endParaRPr lang="en-US" dirty="0"/>
+            <a:endParaRPr lang="en-US"/>
           </a:p>
         </p:txBody>
       </p:sp>
       <p:sp>
         <p:nvSpPr>
-          <p:cNvPr id="11" name="Rectangle 10">
+          <p:cNvPr id="16" name="Rectangle 15">
             <a:extLst>
               <a:ext uri="{FF2B5EF4-FFF2-40B4-BE49-F238E27FC236}">
-                <a16:creationId xmlns:a16="http://schemas.microsoft.com/office/drawing/2014/main" id="{871AEA07-1E14-44B4-8E55-64EF049CD66F}"/>
+                <a16:creationId xmlns:a16="http://schemas.microsoft.com/office/drawing/2014/main" id="{A7009A0A-BEF5-4EAC-AF15-E4F9F002E239}"/>
               </a:ext>
               <a:ext uri="{C183D7F6-B498-43B3-948B-1728B52AA6E4}">
                 <adec:decorative xmlns:adec="http://schemas.microsoft.com/office/drawing/2017/decorative" val="1"/>
@@ -12741,26 +14875,31 @@
           </p:nvPr>
         </p:nvSpPr>
         <p:spPr>
-          <a:xfrm>
-            <a:off x="596464" y="551961"/>
-            <a:ext cx="10999072" cy="5399950"/>
+          <a:xfrm flipH="1">
+            <a:off x="-3" y="-1"/>
+            <a:ext cx="12192002" cy="1574311"/>
           </a:xfrm>
           <a:prstGeom prst="rect">
             <a:avLst/>
           </a:prstGeom>
-          <a:solidFill>
-            <a:schemeClr val="bg1"/>
-          </a:solidFill>
+          <a:gradFill>
+            <a:gsLst>
+              <a:gs pos="0">
+                <a:srgbClr val="000000">
+                  <a:alpha val="63000"/>
+                </a:srgbClr>
+              </a:gs>
+              <a:gs pos="78000">
+                <a:schemeClr val="accent1">
+                  <a:alpha val="15000"/>
+                </a:schemeClr>
+              </a:gs>
+            </a:gsLst>
+            <a:lin ang="15600000" scaled="0"/>
+          </a:gradFill>
           <a:ln>
             <a:noFill/>
           </a:ln>
-          <a:effectLst>
-            <a:outerShdw blurRad="139700" dist="127000" dir="5400000" algn="t" rotWithShape="0">
-              <a:prstClr val="black">
-                <a:alpha val="15000"/>
-              </a:prstClr>
-            </a:outerShdw>
-          </a:effectLst>
         </p:spPr>
         <p:style>
           <a:lnRef idx="2">
@@ -12792,7 +14931,7 @@
           <p:cNvPr id="2" name="Title 1">
             <a:extLst>
               <a:ext uri="{FF2B5EF4-FFF2-40B4-BE49-F238E27FC236}">
-                <a16:creationId xmlns:a16="http://schemas.microsoft.com/office/drawing/2014/main" id="{9C9AD6B9-1CEE-7976-0BB7-22F5E9535735}"/>
+                <a16:creationId xmlns:a16="http://schemas.microsoft.com/office/drawing/2014/main" id="{098A9E05-3407-06AF-8E14-D1D555C89F3B}"/>
               </a:ext>
             </a:extLst>
           </p:cNvPr>
@@ -12805,72 +14944,113 @@
         </p:nvSpPr>
         <p:spPr>
           <a:xfrm>
-            <a:off x="1523999" y="1180494"/>
-            <a:ext cx="9144000" cy="2387600"/>
+            <a:off x="699713" y="248038"/>
+            <a:ext cx="7063721" cy="1159200"/>
           </a:xfrm>
         </p:spPr>
         <p:txBody>
-          <a:bodyPr vert="horz" lIns="91440" tIns="45720" rIns="91440" bIns="45720" rtlCol="0" anchor="b">
+          <a:bodyPr vert="horz" lIns="91440" tIns="45720" rIns="91440" bIns="45720" rtlCol="0" anchor="ctr">
             <a:normAutofit/>
           </a:bodyPr>
           <a:lstStyle/>
           <a:p>
-            <a:pPr algn="ctr"/>
             <a:r>
-              <a:rPr lang="en-US" sz="3500" kern="1200" dirty="0">
+              <a:rPr lang="en-US" sz="4000" kern="1200" dirty="0">
                 <a:solidFill>
-                  <a:schemeClr val="tx1"/>
+                  <a:srgbClr val="FFFFFF"/>
                 </a:solidFill>
                 <a:latin typeface="+mj-lt"/>
                 <a:ea typeface="+mj-ea"/>
                 <a:cs typeface="+mj-cs"/>
               </a:rPr>
-              <a:t>Website: </a:t>
+              <a:t>Friend View </a:t>
             </a:r>
-            <a:r>
-              <a:rPr lang="en-US" sz="3500" kern="1200" dirty="0">
-                <a:solidFill>
-                  <a:srgbClr val="0070C0"/>
-                </a:solidFill>
-                <a:latin typeface="+mj-lt"/>
-                <a:ea typeface="+mj-ea"/>
-                <a:cs typeface="+mj-cs"/>
-                <a:hlinkClick r:id="rId2">
-                  <a:extLst>
-                    <a:ext uri="{A12FA001-AC4F-418D-AE19-62706E023703}">
-                      <ahyp:hlinkClr xmlns:ahyp="http://schemas.microsoft.com/office/drawing/2018/hyperlinkcolor" val="tx"/>
-                    </a:ext>
-                  </a:extLst>
-                </a:hlinkClick>
-              </a:rPr>
-              <a:t>https://jjdeuce06.github.io/VulcanActivityTracker/</a:t>
-            </a:r>
-            <a:endParaRPr lang="en-US" sz="3500" kern="1200" dirty="0">
-              <a:solidFill>
-                <a:srgbClr val="0070C0"/>
-              </a:solidFill>
-              <a:latin typeface="+mj-lt"/>
-              <a:ea typeface="+mj-ea"/>
-              <a:cs typeface="+mj-cs"/>
-            </a:endParaRPr>
           </a:p>
         </p:txBody>
       </p:sp>
-      <p:cxnSp>
-        <p:nvCxnSpPr>
-          <p:cNvPr id="13" name="Straight Connector 12">
+      <p:pic>
+        <p:nvPicPr>
+          <p:cNvPr id="5" name="Picture 4">
             <a:extLst>
               <a:ext uri="{FF2B5EF4-FFF2-40B4-BE49-F238E27FC236}">
-                <a16:creationId xmlns:a16="http://schemas.microsoft.com/office/drawing/2014/main" id="{F7C8EA93-3210-4C62-99E9-153C275E3A87}"/>
+                <a16:creationId xmlns:a16="http://schemas.microsoft.com/office/drawing/2014/main" id="{A07F6FE6-43B8-3F8D-BF8E-18511233EC8D}"/>
+              </a:ext>
+            </a:extLst>
+          </p:cNvPr>
+          <p:cNvPicPr>
+            <a:picLocks noChangeAspect="1"/>
+          </p:cNvPicPr>
+          <p:nvPr/>
+        </p:nvPicPr>
+        <p:blipFill>
+          <a:blip r:embed="rId2"/>
+          <a:stretch>
+            <a:fillRect/>
+          </a:stretch>
+        </p:blipFill>
+        <p:spPr>
+          <a:xfrm>
+            <a:off x="432225" y="2394124"/>
+            <a:ext cx="11327549" cy="3596497"/>
+          </a:xfrm>
+          <a:prstGeom prst="rect">
+            <a:avLst/>
+          </a:prstGeom>
+        </p:spPr>
+      </p:pic>
+    </p:spTree>
+    <p:extLst>
+      <p:ext uri="{BB962C8B-B14F-4D97-AF65-F5344CB8AC3E}">
+        <p14:creationId xmlns:p14="http://schemas.microsoft.com/office/powerpoint/2010/main" val="884354200"/>
+      </p:ext>
+    </p:extLst>
+  </p:cSld>
+  <p:clrMapOvr>
+    <a:masterClrMapping/>
+  </p:clrMapOvr>
+</p:sld>
+</file>
+
+<file path=ppt/slides/slide9.xml><?xml version="1.0" encoding="utf-8"?>
+<p:sld xmlns:a="http://schemas.openxmlformats.org/drawingml/2006/main" xmlns:r="http://schemas.openxmlformats.org/officeDocument/2006/relationships" xmlns:p="http://schemas.openxmlformats.org/presentationml/2006/main">
+  <p:cSld>
+    <p:bg>
+      <p:bgPr>
+        <a:solidFill>
+          <a:schemeClr val="bg1"/>
+        </a:solidFill>
+        <a:effectLst/>
+      </p:bgPr>
+    </p:bg>
+    <p:spTree>
+      <p:nvGrpSpPr>
+        <p:cNvPr id="1" name=""/>
+        <p:cNvGrpSpPr/>
+        <p:nvPr/>
+      </p:nvGrpSpPr>
+      <p:grpSpPr>
+        <a:xfrm>
+          <a:off x="0" y="0"/>
+          <a:ext cx="0" cy="0"/>
+          <a:chOff x="0" y="0"/>
+          <a:chExt cx="0" cy="0"/>
+        </a:xfrm>
+      </p:grpSpPr>
+      <p:sp useBgFill="1">
+        <p:nvSpPr>
+          <p:cNvPr id="10" name="Rectangle 9">
+            <a:extLst>
+              <a:ext uri="{FF2B5EF4-FFF2-40B4-BE49-F238E27FC236}">
+                <a16:creationId xmlns:a16="http://schemas.microsoft.com/office/drawing/2014/main" id="{A8384FB5-9ADC-4DDC-881B-597D56F5B15D}"/>
               </a:ext>
               <a:ext uri="{C183D7F6-B498-43B3-948B-1728B52AA6E4}">
                 <adec:decorative xmlns:adec="http://schemas.microsoft.com/office/drawing/2017/decorative" val="1"/>
               </a:ext>
             </a:extLst>
           </p:cNvPr>
-          <p:cNvCxnSpPr>
-            <a:cxnSpLocks noGrp="1" noRot="1" noChangeAspect="1" noMove="1" noResize="1" noEditPoints="1" noAdjustHandles="1" noChangeArrowheads="1" noChangeShapeType="1"/>
-          </p:cNvCxnSpPr>
+          <p:cNvSpPr>
+            <a:spLocks noGrp="1" noRot="1" noChangeAspect="1" noMove="1" noResize="1" noEditPoints="1" noAdjustHandles="1" noChangeArrowheads="1" noChangeShapeType="1" noTextEdit="1"/>
+          </p:cNvSpPr>
           <p:nvPr>
             <p:extLst>
               <p:ext uri="{386F3935-93C4-4BCD-93E2-E3B085C9AB24}">
@@ -12878,40 +15058,364 @@
               </p:ext>
             </p:extLst>
           </p:nvPr>
-        </p:nvCxnSpPr>
+        </p:nvSpPr>
         <p:spPr>
-          <a:xfrm flipH="1">
-            <a:off x="596464" y="6329769"/>
-            <a:ext cx="11000232" cy="0"/>
+          <a:xfrm>
+            <a:off x="0" y="0"/>
+            <a:ext cx="12192000" cy="6858000"/>
           </a:xfrm>
-          <a:prstGeom prst="line">
+          <a:prstGeom prst="rect">
             <a:avLst/>
           </a:prstGeom>
-          <a:ln w="152400">
-            <a:solidFill>
-              <a:schemeClr val="accent4"/>
-            </a:solidFill>
+          <a:ln w="12700" cap="flat" cmpd="sng" algn="ctr">
+            <a:noFill/>
+            <a:prstDash val="solid"/>
+            <a:miter lim="800000"/>
           </a:ln>
+          <a:effectLst/>
+          <a:extLst>
+            <a:ext uri="{91240B29-F687-4F45-9708-019B960494DF}">
+              <a14:hiddenLine xmlns:a14="http://schemas.microsoft.com/office/drawing/2010/main" w="12700" cap="flat" cmpd="sng" algn="ctr">
+                <a:solidFill>
+                  <a:schemeClr val="accent1">
+                    <a:shade val="50000"/>
+                  </a:schemeClr>
+                </a:solidFill>
+                <a:prstDash val="solid"/>
+                <a:miter lim="800000"/>
+              </a14:hiddenLine>
+            </a:ext>
+          </a:extLst>
         </p:spPr>
         <p:style>
-          <a:lnRef idx="1">
-            <a:schemeClr val="accent1"/>
+          <a:lnRef idx="2">
+            <a:schemeClr val="accent1">
+              <a:shade val="50000"/>
+            </a:schemeClr>
           </a:lnRef>
-          <a:fillRef idx="0">
+          <a:fillRef idx="1">
             <a:schemeClr val="accent1"/>
           </a:fillRef>
           <a:effectRef idx="0">
             <a:schemeClr val="accent1"/>
           </a:effectRef>
           <a:fontRef idx="minor">
-            <a:schemeClr val="tx1"/>
+            <a:schemeClr val="lt1"/>
           </a:fontRef>
         </p:style>
-      </p:cxnSp>
+        <p:txBody>
+          <a:bodyPr rtlCol="0" anchor="ctr"/>
+          <a:lstStyle/>
+          <a:p>
+            <a:pPr algn="ctr"/>
+            <a:endParaRPr lang="en-US"/>
+          </a:p>
+        </p:txBody>
+      </p:sp>
+      <p:sp>
+        <p:nvSpPr>
+          <p:cNvPr id="12" name="Rectangle 11">
+            <a:extLst>
+              <a:ext uri="{FF2B5EF4-FFF2-40B4-BE49-F238E27FC236}">
+                <a16:creationId xmlns:a16="http://schemas.microsoft.com/office/drawing/2014/main" id="{1199E1B1-A8C0-4FE8-A5A8-1CB41D69F857}"/>
+              </a:ext>
+              <a:ext uri="{C183D7F6-B498-43B3-948B-1728B52AA6E4}">
+                <adec:decorative xmlns:adec="http://schemas.microsoft.com/office/drawing/2017/decorative" val="1"/>
+              </a:ext>
+            </a:extLst>
+          </p:cNvPr>
+          <p:cNvSpPr>
+            <a:spLocks noGrp="1" noRot="1" noChangeAspect="1" noMove="1" noResize="1" noEditPoints="1" noAdjustHandles="1" noChangeArrowheads="1" noChangeShapeType="1" noTextEdit="1"/>
+          </p:cNvSpPr>
+          <p:nvPr>
+            <p:extLst>
+              <p:ext uri="{386F3935-93C4-4BCD-93E2-E3B085C9AB24}">
+                <p16:designElem xmlns:p16="http://schemas.microsoft.com/office/powerpoint/2015/main" val="1"/>
+              </p:ext>
+            </p:extLst>
+          </p:nvPr>
+        </p:nvSpPr>
+        <p:spPr>
+          <a:xfrm rot="10800000" flipH="1">
+            <a:off x="2" y="0"/>
+            <a:ext cx="12191998" cy="1575955"/>
+          </a:xfrm>
+          <a:prstGeom prst="rect">
+            <a:avLst/>
+          </a:prstGeom>
+          <a:gradFill>
+            <a:gsLst>
+              <a:gs pos="0">
+                <a:srgbClr val="000000">
+                  <a:alpha val="96000"/>
+                </a:srgbClr>
+              </a:gs>
+              <a:gs pos="100000">
+                <a:schemeClr val="accent1">
+                  <a:lumMod val="75000"/>
+                </a:schemeClr>
+              </a:gs>
+            </a:gsLst>
+            <a:lin ang="6000000" scaled="0"/>
+          </a:gradFill>
+          <a:ln>
+            <a:noFill/>
+          </a:ln>
+        </p:spPr>
+        <p:style>
+          <a:lnRef idx="2">
+            <a:schemeClr val="accent1">
+              <a:shade val="50000"/>
+            </a:schemeClr>
+          </a:lnRef>
+          <a:fillRef idx="1">
+            <a:schemeClr val="accent1"/>
+          </a:fillRef>
+          <a:effectRef idx="0">
+            <a:schemeClr val="accent1"/>
+          </a:effectRef>
+          <a:fontRef idx="minor">
+            <a:schemeClr val="lt1"/>
+          </a:fontRef>
+        </p:style>
+        <p:txBody>
+          <a:bodyPr rtlCol="0" anchor="ctr"/>
+          <a:lstStyle/>
+          <a:p>
+            <a:pPr algn="ctr"/>
+            <a:endParaRPr lang="en-US"/>
+          </a:p>
+        </p:txBody>
+      </p:sp>
+      <p:sp>
+        <p:nvSpPr>
+          <p:cNvPr id="14" name="Rectangle 13">
+            <a:extLst>
+              <a:ext uri="{FF2B5EF4-FFF2-40B4-BE49-F238E27FC236}">
+                <a16:creationId xmlns:a16="http://schemas.microsoft.com/office/drawing/2014/main" id="{84A8DE83-DE75-4B41-9DB4-A7EC0B0DEC0B}"/>
+              </a:ext>
+              <a:ext uri="{C183D7F6-B498-43B3-948B-1728B52AA6E4}">
+                <adec:decorative xmlns:adec="http://schemas.microsoft.com/office/drawing/2017/decorative" val="1"/>
+              </a:ext>
+            </a:extLst>
+          </p:cNvPr>
+          <p:cNvSpPr>
+            <a:spLocks noGrp="1" noRot="1" noChangeAspect="1" noMove="1" noResize="1" noEditPoints="1" noAdjustHandles="1" noChangeArrowheads="1" noChangeShapeType="1" noTextEdit="1"/>
+          </p:cNvSpPr>
+          <p:nvPr>
+            <p:extLst>
+              <p:ext uri="{386F3935-93C4-4BCD-93E2-E3B085C9AB24}">
+                <p16:designElem xmlns:p16="http://schemas.microsoft.com/office/powerpoint/2015/main" val="1"/>
+              </p:ext>
+            </p:extLst>
+          </p:nvPr>
+        </p:nvSpPr>
+        <p:spPr>
+          <a:xfrm>
+            <a:off x="0" y="0"/>
+            <a:ext cx="8128856" cy="1575461"/>
+          </a:xfrm>
+          <a:prstGeom prst="rect">
+            <a:avLst/>
+          </a:prstGeom>
+          <a:gradFill>
+            <a:gsLst>
+              <a:gs pos="0">
+                <a:schemeClr val="accent1">
+                  <a:alpha val="41000"/>
+                </a:schemeClr>
+              </a:gs>
+              <a:gs pos="74000">
+                <a:schemeClr val="accent1">
+                  <a:lumMod val="60000"/>
+                  <a:lumOff val="40000"/>
+                  <a:alpha val="0"/>
+                </a:schemeClr>
+              </a:gs>
+            </a:gsLst>
+            <a:lin ang="8400000" scaled="0"/>
+          </a:gradFill>
+          <a:ln>
+            <a:noFill/>
+          </a:ln>
+        </p:spPr>
+        <p:style>
+          <a:lnRef idx="2">
+            <a:schemeClr val="accent1">
+              <a:shade val="50000"/>
+            </a:schemeClr>
+          </a:lnRef>
+          <a:fillRef idx="1">
+            <a:schemeClr val="accent1"/>
+          </a:fillRef>
+          <a:effectRef idx="0">
+            <a:schemeClr val="accent1"/>
+          </a:effectRef>
+          <a:fontRef idx="minor">
+            <a:schemeClr val="lt1"/>
+          </a:fontRef>
+        </p:style>
+        <p:txBody>
+          <a:bodyPr rtlCol="0" anchor="ctr"/>
+          <a:lstStyle/>
+          <a:p>
+            <a:pPr algn="ctr"/>
+            <a:endParaRPr lang="en-US"/>
+          </a:p>
+        </p:txBody>
+      </p:sp>
+      <p:sp>
+        <p:nvSpPr>
+          <p:cNvPr id="16" name="Rectangle 15">
+            <a:extLst>
+              <a:ext uri="{FF2B5EF4-FFF2-40B4-BE49-F238E27FC236}">
+                <a16:creationId xmlns:a16="http://schemas.microsoft.com/office/drawing/2014/main" id="{A7009A0A-BEF5-4EAC-AF15-E4F9F002E239}"/>
+              </a:ext>
+              <a:ext uri="{C183D7F6-B498-43B3-948B-1728B52AA6E4}">
+                <adec:decorative xmlns:adec="http://schemas.microsoft.com/office/drawing/2017/decorative" val="1"/>
+              </a:ext>
+            </a:extLst>
+          </p:cNvPr>
+          <p:cNvSpPr>
+            <a:spLocks noGrp="1" noRot="1" noChangeAspect="1" noMove="1" noResize="1" noEditPoints="1" noAdjustHandles="1" noChangeArrowheads="1" noChangeShapeType="1" noTextEdit="1"/>
+          </p:cNvSpPr>
+          <p:nvPr>
+            <p:extLst>
+              <p:ext uri="{386F3935-93C4-4BCD-93E2-E3B085C9AB24}">
+                <p16:designElem xmlns:p16="http://schemas.microsoft.com/office/powerpoint/2015/main" val="1"/>
+              </p:ext>
+            </p:extLst>
+          </p:nvPr>
+        </p:nvSpPr>
+        <p:spPr>
+          <a:xfrm flipH="1">
+            <a:off x="-3" y="-1"/>
+            <a:ext cx="12192002" cy="1574311"/>
+          </a:xfrm>
+          <a:prstGeom prst="rect">
+            <a:avLst/>
+          </a:prstGeom>
+          <a:gradFill>
+            <a:gsLst>
+              <a:gs pos="0">
+                <a:srgbClr val="000000">
+                  <a:alpha val="63000"/>
+                </a:srgbClr>
+              </a:gs>
+              <a:gs pos="78000">
+                <a:schemeClr val="accent1">
+                  <a:alpha val="15000"/>
+                </a:schemeClr>
+              </a:gs>
+            </a:gsLst>
+            <a:lin ang="15600000" scaled="0"/>
+          </a:gradFill>
+          <a:ln>
+            <a:noFill/>
+          </a:ln>
+        </p:spPr>
+        <p:style>
+          <a:lnRef idx="2">
+            <a:schemeClr val="accent1">
+              <a:shade val="50000"/>
+            </a:schemeClr>
+          </a:lnRef>
+          <a:fillRef idx="1">
+            <a:schemeClr val="accent1"/>
+          </a:fillRef>
+          <a:effectRef idx="0">
+            <a:schemeClr val="accent1"/>
+          </a:effectRef>
+          <a:fontRef idx="minor">
+            <a:schemeClr val="lt1"/>
+          </a:fontRef>
+        </p:style>
+        <p:txBody>
+          <a:bodyPr rtlCol="0" anchor="ctr"/>
+          <a:lstStyle/>
+          <a:p>
+            <a:pPr algn="ctr"/>
+            <a:endParaRPr lang="en-US"/>
+          </a:p>
+        </p:txBody>
+      </p:sp>
+      <p:sp>
+        <p:nvSpPr>
+          <p:cNvPr id="2" name="Title 1">
+            <a:extLst>
+              <a:ext uri="{FF2B5EF4-FFF2-40B4-BE49-F238E27FC236}">
+                <a16:creationId xmlns:a16="http://schemas.microsoft.com/office/drawing/2014/main" id="{943F0D26-C404-6E35-D4F7-10155F5D3A98}"/>
+              </a:ext>
+            </a:extLst>
+          </p:cNvPr>
+          <p:cNvSpPr>
+            <a:spLocks noGrp="1"/>
+          </p:cNvSpPr>
+          <p:nvPr>
+            <p:ph type="title"/>
+          </p:nvPr>
+        </p:nvSpPr>
+        <p:spPr>
+          <a:xfrm>
+            <a:off x="699713" y="248038"/>
+            <a:ext cx="7063721" cy="1159200"/>
+          </a:xfrm>
+        </p:spPr>
+        <p:txBody>
+          <a:bodyPr vert="horz" lIns="91440" tIns="45720" rIns="91440" bIns="45720" rtlCol="0" anchor="ctr">
+            <a:normAutofit/>
+          </a:bodyPr>
+          <a:lstStyle/>
+          <a:p>
+            <a:r>
+              <a:rPr lang="en-US" sz="4000" kern="1200" dirty="0">
+                <a:solidFill>
+                  <a:srgbClr val="FFFFFF"/>
+                </a:solidFill>
+                <a:latin typeface="+mj-lt"/>
+                <a:ea typeface="+mj-ea"/>
+                <a:cs typeface="+mj-cs"/>
+              </a:rPr>
+              <a:t>Clubs and Likes</a:t>
+            </a:r>
+          </a:p>
+        </p:txBody>
+      </p:sp>
+      <p:pic>
+        <p:nvPicPr>
+          <p:cNvPr id="5" name="Picture 4">
+            <a:extLst>
+              <a:ext uri="{FF2B5EF4-FFF2-40B4-BE49-F238E27FC236}">
+                <a16:creationId xmlns:a16="http://schemas.microsoft.com/office/drawing/2014/main" id="{6C01547A-003F-2DA0-1CB8-4E92D18977A2}"/>
+              </a:ext>
+            </a:extLst>
+          </p:cNvPr>
+          <p:cNvPicPr>
+            <a:picLocks noChangeAspect="1"/>
+          </p:cNvPicPr>
+          <p:nvPr/>
+        </p:nvPicPr>
+        <p:blipFill>
+          <a:blip r:embed="rId2"/>
+          <a:srcRect b="2997"/>
+          <a:stretch>
+            <a:fillRect/>
+          </a:stretch>
+        </p:blipFill>
+        <p:spPr>
+          <a:xfrm>
+            <a:off x="1643839" y="1966293"/>
+            <a:ext cx="8904320" cy="4452160"/>
+          </a:xfrm>
+          <a:prstGeom prst="rect">
+            <a:avLst/>
+          </a:prstGeom>
+        </p:spPr>
+      </p:pic>
     </p:spTree>
     <p:extLst>
       <p:ext uri="{BB962C8B-B14F-4D97-AF65-F5344CB8AC3E}">
-        <p14:creationId xmlns:p14="http://schemas.microsoft.com/office/powerpoint/2010/main" val="3921983173"/>
+        <p14:creationId xmlns:p14="http://schemas.microsoft.com/office/powerpoint/2010/main" val="3857486133"/>
       </p:ext>
     </p:extLst>
   </p:cSld>
